--- a/FFmpeg/slides/SDL-AUDIO.pptx
+++ b/FFmpeg/slides/SDL-AUDIO.pptx
@@ -10,6 +10,10 @@
     <p:sldId id="258" r:id="rId4"/>
     <p:sldId id="260" r:id="rId5"/>
     <p:sldId id="259" r:id="rId6"/>
+    <p:sldId id="261" r:id="rId7"/>
+    <p:sldId id="262" r:id="rId8"/>
+    <p:sldId id="263" r:id="rId9"/>
+    <p:sldId id="264" r:id="rId10"/>
   </p:sldIdLst>
   <p:sldSz cx="12192000" cy="6858000"/>
   <p:notesSz cx="6858000" cy="9144000"/>
@@ -247,7 +251,7 @@
           <a:p>
             <a:fld id="{5B7542EB-22E3-493C-96B7-C014E841213B}" type="datetimeFigureOut">
               <a:rPr lang="zh-CN" altLang="en-US" smtClean="0"/>
-              <a:t>2016/7/7 Thursday</a:t>
+              <a:t>2016/7/11 Monday</a:t>
             </a:fld>
             <a:endParaRPr lang="zh-CN" altLang="en-US"/>
           </a:p>
@@ -417,7 +421,7 @@
           <a:p>
             <a:fld id="{5B7542EB-22E3-493C-96B7-C014E841213B}" type="datetimeFigureOut">
               <a:rPr lang="zh-CN" altLang="en-US" smtClean="0"/>
-              <a:t>2016/7/7 Thursday</a:t>
+              <a:t>2016/7/11 Monday</a:t>
             </a:fld>
             <a:endParaRPr lang="zh-CN" altLang="en-US"/>
           </a:p>
@@ -597,7 +601,7 @@
           <a:p>
             <a:fld id="{5B7542EB-22E3-493C-96B7-C014E841213B}" type="datetimeFigureOut">
               <a:rPr lang="zh-CN" altLang="en-US" smtClean="0"/>
-              <a:t>2016/7/7 Thursday</a:t>
+              <a:t>2016/7/11 Monday</a:t>
             </a:fld>
             <a:endParaRPr lang="zh-CN" altLang="en-US"/>
           </a:p>
@@ -767,7 +771,7 @@
           <a:p>
             <a:fld id="{5B7542EB-22E3-493C-96B7-C014E841213B}" type="datetimeFigureOut">
               <a:rPr lang="zh-CN" altLang="en-US" smtClean="0"/>
-              <a:t>2016/7/7 Thursday</a:t>
+              <a:t>2016/7/11 Monday</a:t>
             </a:fld>
             <a:endParaRPr lang="zh-CN" altLang="en-US"/>
           </a:p>
@@ -1013,7 +1017,7 @@
           <a:p>
             <a:fld id="{5B7542EB-22E3-493C-96B7-C014E841213B}" type="datetimeFigureOut">
               <a:rPr lang="zh-CN" altLang="en-US" smtClean="0"/>
-              <a:t>2016/7/7 Thursday</a:t>
+              <a:t>2016/7/11 Monday</a:t>
             </a:fld>
             <a:endParaRPr lang="zh-CN" altLang="en-US"/>
           </a:p>
@@ -1245,7 +1249,7 @@
           <a:p>
             <a:fld id="{5B7542EB-22E3-493C-96B7-C014E841213B}" type="datetimeFigureOut">
               <a:rPr lang="zh-CN" altLang="en-US" smtClean="0"/>
-              <a:t>2016/7/7 Thursday</a:t>
+              <a:t>2016/7/11 Monday</a:t>
             </a:fld>
             <a:endParaRPr lang="zh-CN" altLang="en-US"/>
           </a:p>
@@ -1612,7 +1616,7 @@
           <a:p>
             <a:fld id="{5B7542EB-22E3-493C-96B7-C014E841213B}" type="datetimeFigureOut">
               <a:rPr lang="zh-CN" altLang="en-US" smtClean="0"/>
-              <a:t>2016/7/7 Thursday</a:t>
+              <a:t>2016/7/11 Monday</a:t>
             </a:fld>
             <a:endParaRPr lang="zh-CN" altLang="en-US"/>
           </a:p>
@@ -1730,7 +1734,7 @@
           <a:p>
             <a:fld id="{5B7542EB-22E3-493C-96B7-C014E841213B}" type="datetimeFigureOut">
               <a:rPr lang="zh-CN" altLang="en-US" smtClean="0"/>
-              <a:t>2016/7/7 Thursday</a:t>
+              <a:t>2016/7/11 Monday</a:t>
             </a:fld>
             <a:endParaRPr lang="zh-CN" altLang="en-US"/>
           </a:p>
@@ -1825,7 +1829,7 @@
           <a:p>
             <a:fld id="{5B7542EB-22E3-493C-96B7-C014E841213B}" type="datetimeFigureOut">
               <a:rPr lang="zh-CN" altLang="en-US" smtClean="0"/>
-              <a:t>2016/7/7 Thursday</a:t>
+              <a:t>2016/7/11 Monday</a:t>
             </a:fld>
             <a:endParaRPr lang="zh-CN" altLang="en-US"/>
           </a:p>
@@ -2102,7 +2106,7 @@
           <a:p>
             <a:fld id="{5B7542EB-22E3-493C-96B7-C014E841213B}" type="datetimeFigureOut">
               <a:rPr lang="zh-CN" altLang="en-US" smtClean="0"/>
-              <a:t>2016/7/7 Thursday</a:t>
+              <a:t>2016/7/11 Monday</a:t>
             </a:fld>
             <a:endParaRPr lang="zh-CN" altLang="en-US"/>
           </a:p>
@@ -2355,7 +2359,7 @@
           <a:p>
             <a:fld id="{5B7542EB-22E3-493C-96B7-C014E841213B}" type="datetimeFigureOut">
               <a:rPr lang="zh-CN" altLang="en-US" smtClean="0"/>
-              <a:t>2016/7/7 Thursday</a:t>
+              <a:t>2016/7/11 Monday</a:t>
             </a:fld>
             <a:endParaRPr lang="zh-CN" altLang="en-US"/>
           </a:p>
@@ -2568,7 +2572,7 @@
           <a:p>
             <a:fld id="{5B7542EB-22E3-493C-96B7-C014E841213B}" type="datetimeFigureOut">
               <a:rPr lang="zh-CN" altLang="en-US" smtClean="0"/>
-              <a:t>2016/7/7 Thursday</a:t>
+              <a:t>2016/7/11 Monday</a:t>
             </a:fld>
             <a:endParaRPr lang="zh-CN" altLang="en-US"/>
           </a:p>
@@ -3008,16 +3012,16 @@
           </a:bodyPr>
           <a:lstStyle/>
           <a:p>
-            <a:endParaRPr lang="en-US" altLang="zh-CN" dirty="0" smtClean="0"/>
-          </a:p>
-          <a:p>
-            <a:r>
-              <a:rPr lang="en-US" altLang="zh-CN" dirty="0" smtClean="0"/>
+            <a:endParaRPr lang="en-US" altLang="zh-CN" smtClean="0"/>
+          </a:p>
+          <a:p>
+            <a:r>
+              <a:rPr lang="en-US" altLang="zh-CN" smtClean="0"/>
               <a:t>Audio Device</a:t>
             </a:r>
           </a:p>
           <a:p>
-            <a:endParaRPr lang="zh-CN" altLang="en-US" dirty="0"/>
+            <a:endParaRPr lang="zh-CN" altLang="en-US"/>
           </a:p>
         </p:txBody>
       </p:sp>
@@ -3087,10 +3091,10 @@
               <a:lstStyle/>
               <a:p>
                 <a:r>
-                  <a:rPr lang="en-US" altLang="zh-CN" sz="1400" dirty="0" smtClean="0"/>
+                  <a:rPr lang="en-US" altLang="zh-CN" sz="1400" smtClean="0"/>
                   <a:t>Sample</a:t>
                 </a:r>
-                <a:endParaRPr lang="zh-CN" altLang="en-US" sz="1400" dirty="0"/>
+                <a:endParaRPr lang="zh-CN" altLang="en-US" sz="1400"/>
               </a:p>
             </p:txBody>
           </p:sp>
@@ -3132,10 +3136,10 @@
               <a:lstStyle/>
               <a:p>
                 <a:r>
-                  <a:rPr lang="en-US" altLang="zh-CN" sz="1400" dirty="0" smtClean="0"/>
+                  <a:rPr lang="en-US" altLang="zh-CN" sz="1400" smtClean="0"/>
                   <a:t>Sample</a:t>
                 </a:r>
-                <a:endParaRPr lang="zh-CN" altLang="en-US" sz="1400" dirty="0"/>
+                <a:endParaRPr lang="zh-CN" altLang="en-US" sz="1400"/>
               </a:p>
             </p:txBody>
           </p:sp>
@@ -3177,10 +3181,10 @@
               <a:lstStyle/>
               <a:p>
                 <a:r>
-                  <a:rPr lang="en-US" altLang="zh-CN" sz="1400" dirty="0" smtClean="0"/>
+                  <a:rPr lang="en-US" altLang="zh-CN" sz="1400" smtClean="0"/>
                   <a:t>Sample</a:t>
                 </a:r>
-                <a:endParaRPr lang="zh-CN" altLang="en-US" sz="1400" dirty="0"/>
+                <a:endParaRPr lang="zh-CN" altLang="en-US" sz="1400"/>
               </a:p>
             </p:txBody>
           </p:sp>
@@ -3222,10 +3226,10 @@
               <a:lstStyle/>
               <a:p>
                 <a:r>
-                  <a:rPr lang="en-US" altLang="zh-CN" sz="1400" dirty="0" smtClean="0"/>
+                  <a:rPr lang="en-US" altLang="zh-CN" sz="1400" smtClean="0"/>
                   <a:t>Sample</a:t>
                 </a:r>
-                <a:endParaRPr lang="zh-CN" altLang="en-US" sz="1400" dirty="0"/>
+                <a:endParaRPr lang="zh-CN" altLang="en-US" sz="1400"/>
               </a:p>
             </p:txBody>
           </p:sp>
@@ -3302,7 +3306,7 @@
             <a:lstStyle/>
             <a:p>
               <a:r>
-                <a:rPr lang="en-US" altLang="zh-CN" dirty="0" smtClean="0">
+                <a:rPr lang="en-US" altLang="zh-CN" smtClean="0">
                   <a:solidFill>
                     <a:schemeClr val="accent2">
                       <a:lumMod val="75000"/>
@@ -3311,7 +3315,7 @@
                 </a:rPr>
                 <a:t>…</a:t>
               </a:r>
-              <a:endParaRPr lang="zh-CN" altLang="en-US" dirty="0">
+              <a:endParaRPr lang="zh-CN" altLang="en-US">
                 <a:solidFill>
                   <a:schemeClr val="accent2">
                     <a:lumMod val="75000"/>
@@ -3383,10 +3387,10 @@
           <a:lstStyle/>
           <a:p>
             <a:r>
-              <a:rPr lang="en-US" altLang="zh-CN" dirty="0" smtClean="0"/>
+              <a:rPr lang="en-US" altLang="zh-CN" smtClean="0"/>
               <a:t>buffer</a:t>
             </a:r>
-            <a:endParaRPr lang="zh-CN" altLang="en-US" dirty="0"/>
+            <a:endParaRPr lang="zh-CN" altLang="en-US"/>
           </a:p>
         </p:txBody>
       </p:sp>
@@ -3455,16 +3459,16 @@
           </a:bodyPr>
           <a:lstStyle/>
           <a:p>
-            <a:endParaRPr lang="en-US" altLang="zh-CN" dirty="0" smtClean="0"/>
-          </a:p>
-          <a:p>
-            <a:r>
-              <a:rPr lang="en-US" altLang="zh-CN" dirty="0" smtClean="0"/>
+            <a:endParaRPr lang="en-US" altLang="zh-CN" smtClean="0"/>
+          </a:p>
+          <a:p>
+            <a:r>
+              <a:rPr lang="en-US" altLang="zh-CN" smtClean="0"/>
               <a:t>Audio Device</a:t>
             </a:r>
           </a:p>
           <a:p>
-            <a:endParaRPr lang="zh-CN" altLang="en-US" dirty="0"/>
+            <a:endParaRPr lang="zh-CN" altLang="en-US"/>
           </a:p>
         </p:txBody>
       </p:sp>
@@ -3534,10 +3538,10 @@
               <a:lstStyle/>
               <a:p>
                 <a:r>
-                  <a:rPr lang="en-US" altLang="zh-CN" sz="1400" dirty="0" smtClean="0"/>
+                  <a:rPr lang="en-US" altLang="zh-CN" sz="1400" smtClean="0"/>
                   <a:t>Sample</a:t>
                 </a:r>
-                <a:endParaRPr lang="zh-CN" altLang="en-US" sz="1400" dirty="0"/>
+                <a:endParaRPr lang="zh-CN" altLang="en-US" sz="1400"/>
               </a:p>
             </p:txBody>
           </p:sp>
@@ -3579,10 +3583,10 @@
               <a:lstStyle/>
               <a:p>
                 <a:r>
-                  <a:rPr lang="en-US" altLang="zh-CN" sz="1400" dirty="0" smtClean="0"/>
+                  <a:rPr lang="en-US" altLang="zh-CN" sz="1400" smtClean="0"/>
                   <a:t>Sample</a:t>
                 </a:r>
-                <a:endParaRPr lang="zh-CN" altLang="en-US" sz="1400" dirty="0"/>
+                <a:endParaRPr lang="zh-CN" altLang="en-US" sz="1400"/>
               </a:p>
             </p:txBody>
           </p:sp>
@@ -3624,10 +3628,10 @@
               <a:lstStyle/>
               <a:p>
                 <a:r>
-                  <a:rPr lang="en-US" altLang="zh-CN" sz="1400" dirty="0" smtClean="0"/>
+                  <a:rPr lang="en-US" altLang="zh-CN" sz="1400" smtClean="0"/>
                   <a:t>Sample</a:t>
                 </a:r>
-                <a:endParaRPr lang="zh-CN" altLang="en-US" sz="1400" dirty="0"/>
+                <a:endParaRPr lang="zh-CN" altLang="en-US" sz="1400"/>
               </a:p>
             </p:txBody>
           </p:sp>
@@ -3669,10 +3673,10 @@
               <a:lstStyle/>
               <a:p>
                 <a:r>
-                  <a:rPr lang="en-US" altLang="zh-CN" sz="1400" dirty="0" smtClean="0"/>
+                  <a:rPr lang="en-US" altLang="zh-CN" sz="1400" smtClean="0"/>
                   <a:t>Sample</a:t>
                 </a:r>
-                <a:endParaRPr lang="zh-CN" altLang="en-US" sz="1400" dirty="0"/>
+                <a:endParaRPr lang="zh-CN" altLang="en-US" sz="1400"/>
               </a:p>
             </p:txBody>
           </p:sp>
@@ -3749,7 +3753,7 @@
             <a:lstStyle/>
             <a:p>
               <a:r>
-                <a:rPr lang="en-US" altLang="zh-CN" dirty="0" smtClean="0">
+                <a:rPr lang="en-US" altLang="zh-CN" smtClean="0">
                   <a:solidFill>
                     <a:schemeClr val="accent2">
                       <a:lumMod val="75000"/>
@@ -3758,7 +3762,7 @@
                 </a:rPr>
                 <a:t>…</a:t>
               </a:r>
-              <a:endParaRPr lang="zh-CN" altLang="en-US" dirty="0">
+              <a:endParaRPr lang="zh-CN" altLang="en-US">
                 <a:solidFill>
                   <a:schemeClr val="accent2">
                     <a:lumMod val="75000"/>
@@ -3830,23 +3834,23 @@
           <a:lstStyle/>
           <a:p>
             <a:r>
-              <a:rPr lang="en-US" altLang="zh-CN" dirty="0" smtClean="0"/>
+              <a:rPr lang="en-US" altLang="zh-CN" smtClean="0"/>
               <a:t>buffer</a:t>
             </a:r>
-            <a:endParaRPr lang="zh-CN" altLang="en-US" dirty="0"/>
-          </a:p>
-        </p:txBody>
-      </p:sp>
-      <p:sp>
-        <p:nvSpPr>
-          <p:cNvPr id="17" name="文本框 16"/>
+            <a:endParaRPr lang="zh-CN" altLang="en-US"/>
+          </a:p>
+        </p:txBody>
+      </p:sp>
+      <p:sp>
+        <p:nvSpPr>
+          <p:cNvPr id="19" name="文本框 18"/>
           <p:cNvSpPr txBox="1"/>
           <p:nvPr/>
         </p:nvSpPr>
         <p:spPr>
           <a:xfrm>
             <a:off x="2993369" y="2622733"/>
-            <a:ext cx="6985182" cy="523220"/>
+            <a:ext cx="2140651" cy="523220"/>
           </a:xfrm>
           <a:prstGeom prst="rect">
             <a:avLst/>
@@ -3860,57 +3864,22 @@
           <a:lstStyle/>
           <a:p>
             <a:r>
-              <a:rPr lang="en-US" altLang="zh-CN" sz="2800" dirty="0" smtClean="0"/>
+              <a:rPr lang="en-US" altLang="zh-CN" sz="2800" smtClean="0"/>
               <a:t>1. </a:t>
             </a:r>
             <a:r>
-              <a:rPr lang="en-US" altLang="zh-CN" sz="2800" dirty="0" smtClean="0">
+              <a:rPr lang="en-US" altLang="zh-CN" sz="2800">
                 <a:solidFill>
                   <a:schemeClr val="accent2"/>
                 </a:solidFill>
               </a:rPr>
-              <a:t>Callback</a:t>
-            </a:r>
-            <a:r>
-              <a:rPr lang="en-US" altLang="zh-CN" sz="2800" dirty="0" smtClean="0"/>
-              <a:t>: </a:t>
-            </a:r>
-            <a:r>
-              <a:rPr lang="en-US" altLang="zh-CN" sz="2800" dirty="0" smtClean="0">
-                <a:solidFill>
-                  <a:schemeClr val="bg1">
-                    <a:lumMod val="75000"/>
-                  </a:schemeClr>
-                </a:solidFill>
-              </a:rPr>
-              <a:t>buffer address</a:t>
-            </a:r>
-            <a:r>
-              <a:rPr lang="en-US" altLang="zh-CN" sz="2800" dirty="0" smtClean="0"/>
-              <a:t>, </a:t>
-            </a:r>
-            <a:r>
-              <a:rPr lang="en-US" altLang="zh-CN" sz="2800" dirty="0" smtClean="0">
-                <a:solidFill>
-                  <a:schemeClr val="bg1">
-                    <a:lumMod val="75000"/>
-                  </a:schemeClr>
-                </a:solidFill>
-              </a:rPr>
-              <a:t>need size</a:t>
-            </a:r>
-            <a:r>
-              <a:rPr lang="en-US" altLang="zh-CN" sz="2800" dirty="0" smtClean="0"/>
-              <a:t>, </a:t>
-            </a:r>
-            <a:r>
-              <a:rPr lang="en-US" altLang="zh-CN" sz="2800" dirty="0" smtClean="0">
-                <a:solidFill>
-                  <a:schemeClr val="accent2"/>
-                </a:solidFill>
-              </a:rPr>
-              <a:t>userdata</a:t>
-            </a:r>
+              <a:t>buffer_size</a:t>
+            </a:r>
+            <a:endParaRPr lang="en-US" altLang="zh-CN" sz="2800" smtClean="0">
+              <a:solidFill>
+                <a:schemeClr val="accent2"/>
+              </a:solidFill>
+            </a:endParaRPr>
           </a:p>
         </p:txBody>
       </p:sp>
@@ -3979,16 +3948,16 @@
           </a:bodyPr>
           <a:lstStyle/>
           <a:p>
-            <a:endParaRPr lang="en-US" altLang="zh-CN" dirty="0" smtClean="0"/>
-          </a:p>
-          <a:p>
-            <a:r>
-              <a:rPr lang="en-US" altLang="zh-CN" dirty="0" smtClean="0"/>
+            <a:endParaRPr lang="en-US" altLang="zh-CN" smtClean="0"/>
+          </a:p>
+          <a:p>
+            <a:r>
+              <a:rPr lang="en-US" altLang="zh-CN" smtClean="0"/>
               <a:t>Audio Device</a:t>
             </a:r>
           </a:p>
           <a:p>
-            <a:endParaRPr lang="zh-CN" altLang="en-US" dirty="0"/>
+            <a:endParaRPr lang="zh-CN" altLang="en-US"/>
           </a:p>
         </p:txBody>
       </p:sp>
@@ -4058,10 +4027,10 @@
               <a:lstStyle/>
               <a:p>
                 <a:r>
-                  <a:rPr lang="en-US" altLang="zh-CN" sz="1400" dirty="0" smtClean="0"/>
+                  <a:rPr lang="en-US" altLang="zh-CN" sz="1400" smtClean="0"/>
                   <a:t>Sample</a:t>
                 </a:r>
-                <a:endParaRPr lang="zh-CN" altLang="en-US" sz="1400" dirty="0"/>
+                <a:endParaRPr lang="zh-CN" altLang="en-US" sz="1400"/>
               </a:p>
             </p:txBody>
           </p:sp>
@@ -4103,10 +4072,10 @@
               <a:lstStyle/>
               <a:p>
                 <a:r>
-                  <a:rPr lang="en-US" altLang="zh-CN" sz="1400" dirty="0" smtClean="0"/>
+                  <a:rPr lang="en-US" altLang="zh-CN" sz="1400" smtClean="0"/>
                   <a:t>Sample</a:t>
                 </a:r>
-                <a:endParaRPr lang="zh-CN" altLang="en-US" sz="1400" dirty="0"/>
+                <a:endParaRPr lang="zh-CN" altLang="en-US" sz="1400"/>
               </a:p>
             </p:txBody>
           </p:sp>
@@ -4148,10 +4117,10 @@
               <a:lstStyle/>
               <a:p>
                 <a:r>
-                  <a:rPr lang="en-US" altLang="zh-CN" sz="1400" dirty="0" smtClean="0"/>
+                  <a:rPr lang="en-US" altLang="zh-CN" sz="1400" smtClean="0"/>
                   <a:t>Sample</a:t>
                 </a:r>
-                <a:endParaRPr lang="zh-CN" altLang="en-US" sz="1400" dirty="0"/>
+                <a:endParaRPr lang="zh-CN" altLang="en-US" sz="1400"/>
               </a:p>
             </p:txBody>
           </p:sp>
@@ -4193,10 +4162,10 @@
               <a:lstStyle/>
               <a:p>
                 <a:r>
-                  <a:rPr lang="en-US" altLang="zh-CN" sz="1400" dirty="0" smtClean="0"/>
+                  <a:rPr lang="en-US" altLang="zh-CN" sz="1400" smtClean="0"/>
                   <a:t>Sample</a:t>
                 </a:r>
-                <a:endParaRPr lang="zh-CN" altLang="en-US" sz="1400" dirty="0"/>
+                <a:endParaRPr lang="zh-CN" altLang="en-US" sz="1400"/>
               </a:p>
             </p:txBody>
           </p:sp>
@@ -4273,7 +4242,7 @@
             <a:lstStyle/>
             <a:p>
               <a:r>
-                <a:rPr lang="en-US" altLang="zh-CN" dirty="0" smtClean="0">
+                <a:rPr lang="en-US" altLang="zh-CN" smtClean="0">
                   <a:solidFill>
                     <a:schemeClr val="accent2">
                       <a:lumMod val="75000"/>
@@ -4282,7 +4251,7 @@
                 </a:rPr>
                 <a:t>…</a:t>
               </a:r>
-              <a:endParaRPr lang="zh-CN" altLang="en-US" dirty="0">
+              <a:endParaRPr lang="zh-CN" altLang="en-US">
                 <a:solidFill>
                   <a:schemeClr val="accent2">
                     <a:lumMod val="75000"/>
@@ -4354,16 +4323,16 @@
           <a:lstStyle/>
           <a:p>
             <a:r>
-              <a:rPr lang="en-US" altLang="zh-CN" dirty="0" smtClean="0"/>
+              <a:rPr lang="en-US" altLang="zh-CN" smtClean="0"/>
               <a:t>buffer</a:t>
             </a:r>
-            <a:endParaRPr lang="zh-CN" altLang="en-US" dirty="0"/>
-          </a:p>
-        </p:txBody>
-      </p:sp>
-      <p:sp>
-        <p:nvSpPr>
-          <p:cNvPr id="14" name="文本框 13"/>
+            <a:endParaRPr lang="zh-CN" altLang="en-US"/>
+          </a:p>
+        </p:txBody>
+      </p:sp>
+      <p:sp>
+        <p:nvSpPr>
+          <p:cNvPr id="21" name="文本框 20"/>
           <p:cNvSpPr txBox="1"/>
           <p:nvPr/>
         </p:nvSpPr>
@@ -4384,15 +4353,15 @@
           <a:lstStyle/>
           <a:p>
             <a:r>
-              <a:rPr lang="en-US" altLang="zh-CN" sz="2800" dirty="0"/>
+              <a:rPr lang="en-US" altLang="zh-CN" sz="2800"/>
               <a:t>2</a:t>
             </a:r>
             <a:r>
-              <a:rPr lang="en-US" altLang="zh-CN" sz="2800" dirty="0" smtClean="0"/>
+              <a:rPr lang="en-US" altLang="zh-CN" sz="2800" smtClean="0"/>
               <a:t>. </a:t>
             </a:r>
             <a:r>
-              <a:rPr lang="en-US" altLang="zh-CN" sz="2800" dirty="0" smtClean="0">
+              <a:rPr lang="en-US" altLang="zh-CN" sz="2800" smtClean="0">
                 <a:solidFill>
                   <a:schemeClr val="accent2"/>
                 </a:solidFill>
@@ -4400,15 +4369,15 @@
               <a:t>sample_rate</a:t>
             </a:r>
             <a:r>
-              <a:rPr lang="en-US" altLang="zh-CN" sz="2800" dirty="0" smtClean="0"/>
+              <a:rPr lang="en-US" altLang="zh-CN" sz="2800" smtClean="0"/>
               <a:t>,</a:t>
             </a:r>
             <a:r>
-              <a:rPr lang="en-US" altLang="zh-CN" sz="2800" dirty="0"/>
+              <a:rPr lang="en-US" altLang="zh-CN" sz="2800"/>
               <a:t> </a:t>
             </a:r>
             <a:r>
-              <a:rPr lang="en-US" altLang="zh-CN" sz="2800" dirty="0" smtClean="0">
+              <a:rPr lang="en-US" altLang="zh-CN" sz="2800" smtClean="0">
                 <a:solidFill>
                   <a:schemeClr val="accent2"/>
                 </a:solidFill>
@@ -4416,22 +4385,22 @@
               <a:t>sample_format</a:t>
             </a:r>
             <a:r>
-              <a:rPr lang="en-US" altLang="zh-CN" sz="2800" dirty="0" smtClean="0"/>
+              <a:rPr lang="en-US" altLang="zh-CN" sz="2800" smtClean="0"/>
               <a:t>,</a:t>
             </a:r>
             <a:r>
-              <a:rPr lang="en-US" altLang="zh-CN" sz="2800" dirty="0"/>
+              <a:rPr lang="en-US" altLang="zh-CN" sz="2800"/>
               <a:t> </a:t>
             </a:r>
             <a:r>
-              <a:rPr lang="en-US" altLang="zh-CN" sz="2800" dirty="0">
+              <a:rPr lang="en-US" altLang="zh-CN" sz="2800">
                 <a:solidFill>
                   <a:schemeClr val="accent2"/>
                 </a:solidFill>
               </a:rPr>
               <a:t>channels</a:t>
             </a:r>
-            <a:endParaRPr lang="en-US" altLang="zh-CN" sz="2800" dirty="0" smtClean="0">
+            <a:endParaRPr lang="en-US" altLang="zh-CN" sz="2800" smtClean="0">
               <a:solidFill>
                 <a:schemeClr val="accent2"/>
               </a:solidFill>
@@ -4441,14 +4410,14 @@
       </p:sp>
       <p:sp>
         <p:nvSpPr>
-          <p:cNvPr id="17" name="文本框 16"/>
+          <p:cNvPr id="23" name="文本框 22"/>
           <p:cNvSpPr txBox="1"/>
           <p:nvPr/>
         </p:nvSpPr>
         <p:spPr>
           <a:xfrm>
             <a:off x="2993369" y="2622733"/>
-            <a:ext cx="6985182" cy="523220"/>
+            <a:ext cx="2140651" cy="523220"/>
           </a:xfrm>
           <a:prstGeom prst="rect">
             <a:avLst/>
@@ -4462,57 +4431,22 @@
           <a:lstStyle/>
           <a:p>
             <a:r>
-              <a:rPr lang="en-US" altLang="zh-CN" sz="2800" dirty="0" smtClean="0"/>
+              <a:rPr lang="en-US" altLang="zh-CN" sz="2800" smtClean="0"/>
               <a:t>1. </a:t>
             </a:r>
             <a:r>
-              <a:rPr lang="en-US" altLang="zh-CN" sz="2800" dirty="0" smtClean="0">
+              <a:rPr lang="en-US" altLang="zh-CN" sz="2800">
                 <a:solidFill>
                   <a:schemeClr val="accent2"/>
                 </a:solidFill>
               </a:rPr>
-              <a:t>Callback</a:t>
-            </a:r>
-            <a:r>
-              <a:rPr lang="en-US" altLang="zh-CN" sz="2800" dirty="0" smtClean="0"/>
-              <a:t>: </a:t>
-            </a:r>
-            <a:r>
-              <a:rPr lang="en-US" altLang="zh-CN" sz="2800" dirty="0" smtClean="0">
-                <a:solidFill>
-                  <a:schemeClr val="bg1">
-                    <a:lumMod val="75000"/>
-                  </a:schemeClr>
-                </a:solidFill>
-              </a:rPr>
-              <a:t>buffer address</a:t>
-            </a:r>
-            <a:r>
-              <a:rPr lang="en-US" altLang="zh-CN" sz="2800" dirty="0" smtClean="0"/>
-              <a:t>, </a:t>
-            </a:r>
-            <a:r>
-              <a:rPr lang="en-US" altLang="zh-CN" sz="2800" dirty="0" smtClean="0">
-                <a:solidFill>
-                  <a:schemeClr val="bg1">
-                    <a:lumMod val="75000"/>
-                  </a:schemeClr>
-                </a:solidFill>
-              </a:rPr>
-              <a:t>need size</a:t>
-            </a:r>
-            <a:r>
-              <a:rPr lang="en-US" altLang="zh-CN" sz="2800" dirty="0" smtClean="0"/>
-              <a:t>, </a:t>
-            </a:r>
-            <a:r>
-              <a:rPr lang="en-US" altLang="zh-CN" sz="2800" dirty="0" smtClean="0">
-                <a:solidFill>
-                  <a:schemeClr val="accent2"/>
-                </a:solidFill>
-              </a:rPr>
-              <a:t>userdata</a:t>
-            </a:r>
+              <a:t>buffer_size</a:t>
+            </a:r>
+            <a:endParaRPr lang="en-US" altLang="zh-CN" sz="2800" smtClean="0">
+              <a:solidFill>
+                <a:schemeClr val="accent2"/>
+              </a:solidFill>
+            </a:endParaRPr>
           </a:p>
         </p:txBody>
       </p:sp>
@@ -4581,16 +4515,16 @@
           </a:bodyPr>
           <a:lstStyle/>
           <a:p>
-            <a:endParaRPr lang="en-US" altLang="zh-CN" dirty="0" smtClean="0"/>
-          </a:p>
-          <a:p>
-            <a:r>
-              <a:rPr lang="en-US" altLang="zh-CN" dirty="0" smtClean="0"/>
+            <a:endParaRPr lang="en-US" altLang="zh-CN" smtClean="0"/>
+          </a:p>
+          <a:p>
+            <a:r>
+              <a:rPr lang="en-US" altLang="zh-CN" smtClean="0"/>
               <a:t>Audio Device</a:t>
             </a:r>
           </a:p>
           <a:p>
-            <a:endParaRPr lang="zh-CN" altLang="en-US" dirty="0"/>
+            <a:endParaRPr lang="zh-CN" altLang="en-US"/>
           </a:p>
         </p:txBody>
       </p:sp>
@@ -4660,10 +4594,10 @@
               <a:lstStyle/>
               <a:p>
                 <a:r>
-                  <a:rPr lang="en-US" altLang="zh-CN" sz="1400" dirty="0" smtClean="0"/>
+                  <a:rPr lang="en-US" altLang="zh-CN" sz="1400" smtClean="0"/>
                   <a:t>Sample</a:t>
                 </a:r>
-                <a:endParaRPr lang="zh-CN" altLang="en-US" sz="1400" dirty="0"/>
+                <a:endParaRPr lang="zh-CN" altLang="en-US" sz="1400"/>
               </a:p>
             </p:txBody>
           </p:sp>
@@ -4705,10 +4639,10 @@
               <a:lstStyle/>
               <a:p>
                 <a:r>
-                  <a:rPr lang="en-US" altLang="zh-CN" sz="1400" dirty="0" smtClean="0"/>
+                  <a:rPr lang="en-US" altLang="zh-CN" sz="1400" smtClean="0"/>
                   <a:t>Sample</a:t>
                 </a:r>
-                <a:endParaRPr lang="zh-CN" altLang="en-US" sz="1400" dirty="0"/>
+                <a:endParaRPr lang="zh-CN" altLang="en-US" sz="1400"/>
               </a:p>
             </p:txBody>
           </p:sp>
@@ -4750,10 +4684,10 @@
               <a:lstStyle/>
               <a:p>
                 <a:r>
-                  <a:rPr lang="en-US" altLang="zh-CN" sz="1400" dirty="0" smtClean="0"/>
+                  <a:rPr lang="en-US" altLang="zh-CN" sz="1400" smtClean="0"/>
                   <a:t>Sample</a:t>
                 </a:r>
-                <a:endParaRPr lang="zh-CN" altLang="en-US" sz="1400" dirty="0"/>
+                <a:endParaRPr lang="zh-CN" altLang="en-US" sz="1400"/>
               </a:p>
             </p:txBody>
           </p:sp>
@@ -4795,10 +4729,10 @@
               <a:lstStyle/>
               <a:p>
                 <a:r>
-                  <a:rPr lang="en-US" altLang="zh-CN" sz="1400" dirty="0" smtClean="0"/>
+                  <a:rPr lang="en-US" altLang="zh-CN" sz="1400" smtClean="0"/>
                   <a:t>Sample</a:t>
                 </a:r>
-                <a:endParaRPr lang="zh-CN" altLang="en-US" sz="1400" dirty="0"/>
+                <a:endParaRPr lang="zh-CN" altLang="en-US" sz="1400"/>
               </a:p>
             </p:txBody>
           </p:sp>
@@ -4875,7 +4809,7 @@
             <a:lstStyle/>
             <a:p>
               <a:r>
-                <a:rPr lang="en-US" altLang="zh-CN" dirty="0" smtClean="0">
+                <a:rPr lang="en-US" altLang="zh-CN" smtClean="0">
                   <a:solidFill>
                     <a:schemeClr val="accent2">
                       <a:lumMod val="75000"/>
@@ -4884,7 +4818,7 @@
                 </a:rPr>
                 <a:t>…</a:t>
               </a:r>
-              <a:endParaRPr lang="zh-CN" altLang="en-US" dirty="0">
+              <a:endParaRPr lang="zh-CN" altLang="en-US">
                 <a:solidFill>
                   <a:schemeClr val="accent2">
                     <a:lumMod val="75000"/>
@@ -4956,16 +4890,16 @@
           <a:lstStyle/>
           <a:p>
             <a:r>
-              <a:rPr lang="en-US" altLang="zh-CN" dirty="0" smtClean="0"/>
+              <a:rPr lang="en-US" altLang="zh-CN" smtClean="0"/>
               <a:t>buffer</a:t>
             </a:r>
-            <a:endParaRPr lang="zh-CN" altLang="en-US" dirty="0"/>
-          </a:p>
-        </p:txBody>
-      </p:sp>
-      <p:sp>
-        <p:nvSpPr>
-          <p:cNvPr id="14" name="文本框 13"/>
+            <a:endParaRPr lang="zh-CN" altLang="en-US"/>
+          </a:p>
+        </p:txBody>
+      </p:sp>
+      <p:sp>
+        <p:nvSpPr>
+          <p:cNvPr id="17" name="文本框 16"/>
           <p:cNvSpPr txBox="1"/>
           <p:nvPr/>
         </p:nvSpPr>
@@ -4986,15 +4920,15 @@
           <a:lstStyle/>
           <a:p>
             <a:r>
-              <a:rPr lang="en-US" altLang="zh-CN" sz="2800" dirty="0"/>
+              <a:rPr lang="en-US" altLang="zh-CN" sz="2800"/>
               <a:t>2</a:t>
             </a:r>
             <a:r>
-              <a:rPr lang="en-US" altLang="zh-CN" sz="2800" dirty="0" smtClean="0"/>
+              <a:rPr lang="en-US" altLang="zh-CN" sz="2800" smtClean="0"/>
               <a:t>. </a:t>
             </a:r>
             <a:r>
-              <a:rPr lang="en-US" altLang="zh-CN" sz="2800" dirty="0" smtClean="0">
+              <a:rPr lang="en-US" altLang="zh-CN" sz="2800" smtClean="0">
                 <a:solidFill>
                   <a:schemeClr val="accent2"/>
                 </a:solidFill>
@@ -5002,15 +4936,15 @@
               <a:t>sample_rate</a:t>
             </a:r>
             <a:r>
-              <a:rPr lang="en-US" altLang="zh-CN" sz="2800" dirty="0" smtClean="0"/>
+              <a:rPr lang="en-US" altLang="zh-CN" sz="2800" smtClean="0"/>
               <a:t>,</a:t>
             </a:r>
             <a:r>
-              <a:rPr lang="en-US" altLang="zh-CN" sz="2800" dirty="0"/>
+              <a:rPr lang="en-US" altLang="zh-CN" sz="2800"/>
               <a:t> </a:t>
             </a:r>
             <a:r>
-              <a:rPr lang="en-US" altLang="zh-CN" sz="2800" dirty="0" smtClean="0">
+              <a:rPr lang="en-US" altLang="zh-CN" sz="2800" smtClean="0">
                 <a:solidFill>
                   <a:schemeClr val="accent2"/>
                 </a:solidFill>
@@ -5018,22 +4952,22 @@
               <a:t>sample_format</a:t>
             </a:r>
             <a:r>
-              <a:rPr lang="en-US" altLang="zh-CN" sz="2800" dirty="0" smtClean="0"/>
+              <a:rPr lang="en-US" altLang="zh-CN" sz="2800" smtClean="0"/>
               <a:t>,</a:t>
             </a:r>
             <a:r>
-              <a:rPr lang="en-US" altLang="zh-CN" sz="2800" dirty="0"/>
+              <a:rPr lang="en-US" altLang="zh-CN" sz="2800"/>
               <a:t> </a:t>
             </a:r>
             <a:r>
-              <a:rPr lang="en-US" altLang="zh-CN" sz="2800" dirty="0">
+              <a:rPr lang="en-US" altLang="zh-CN" sz="2800">
                 <a:solidFill>
                   <a:schemeClr val="accent2"/>
                 </a:solidFill>
               </a:rPr>
               <a:t>channels</a:t>
             </a:r>
-            <a:endParaRPr lang="en-US" altLang="zh-CN" sz="2800" dirty="0" smtClean="0">
+            <a:endParaRPr lang="en-US" altLang="zh-CN" sz="2800" smtClean="0">
               <a:solidFill>
                 <a:schemeClr val="accent2"/>
               </a:solidFill>
@@ -5043,14 +4977,14 @@
       </p:sp>
       <p:sp>
         <p:nvSpPr>
-          <p:cNvPr id="18" name="文本框 17"/>
+          <p:cNvPr id="20" name="文本框 19"/>
           <p:cNvSpPr txBox="1"/>
           <p:nvPr/>
         </p:nvSpPr>
         <p:spPr>
           <a:xfrm>
             <a:off x="2993369" y="4060357"/>
-            <a:ext cx="2140651" cy="523220"/>
+            <a:ext cx="6985182" cy="523220"/>
           </a:xfrm>
           <a:prstGeom prst="rect">
             <a:avLst/>
@@ -5064,52 +4998,15 @@
           <a:lstStyle/>
           <a:p>
             <a:r>
-              <a:rPr lang="en-US" altLang="zh-CN" sz="2800" dirty="0"/>
+              <a:rPr lang="en-US" altLang="zh-CN" sz="2800"/>
               <a:t>3</a:t>
             </a:r>
             <a:r>
-              <a:rPr lang="en-US" altLang="zh-CN" sz="2800" dirty="0" smtClean="0"/>
+              <a:rPr lang="en-US" altLang="zh-CN" sz="2800" smtClean="0"/>
               <a:t>. </a:t>
             </a:r>
             <a:r>
-              <a:rPr lang="en-US" altLang="zh-CN" sz="2800" dirty="0" smtClean="0">
-                <a:solidFill>
-                  <a:schemeClr val="accent2"/>
-                </a:solidFill>
-              </a:rPr>
-              <a:t>buffer_size</a:t>
-            </a:r>
-          </a:p>
-        </p:txBody>
-      </p:sp>
-      <p:sp>
-        <p:nvSpPr>
-          <p:cNvPr id="19" name="文本框 18"/>
-          <p:cNvSpPr txBox="1"/>
-          <p:nvPr/>
-        </p:nvSpPr>
-        <p:spPr>
-          <a:xfrm>
-            <a:off x="2993369" y="2622733"/>
-            <a:ext cx="6985182" cy="523220"/>
-          </a:xfrm>
-          <a:prstGeom prst="rect">
-            <a:avLst/>
-          </a:prstGeom>
-          <a:noFill/>
-        </p:spPr>
-        <p:txBody>
-          <a:bodyPr wrap="none" rtlCol="0">
-            <a:spAutoFit/>
-          </a:bodyPr>
-          <a:lstStyle/>
-          <a:p>
-            <a:r>
-              <a:rPr lang="en-US" altLang="zh-CN" sz="2800" dirty="0" smtClean="0"/>
-              <a:t>1. </a:t>
-            </a:r>
-            <a:r>
-              <a:rPr lang="en-US" altLang="zh-CN" sz="2800" dirty="0" smtClean="0">
+              <a:rPr lang="en-US" altLang="zh-CN" sz="2800">
                 <a:solidFill>
                   <a:schemeClr val="accent2"/>
                 </a:solidFill>
@@ -5117,11 +5014,11 @@
               <a:t>Callback</a:t>
             </a:r>
             <a:r>
-              <a:rPr lang="en-US" altLang="zh-CN" sz="2800" dirty="0" smtClean="0"/>
+              <a:rPr lang="en-US" altLang="zh-CN" sz="2800"/>
               <a:t>: </a:t>
             </a:r>
             <a:r>
-              <a:rPr lang="en-US" altLang="zh-CN" sz="2800" dirty="0" smtClean="0">
+              <a:rPr lang="en-US" altLang="zh-CN" sz="2800">
                 <a:solidFill>
                   <a:schemeClr val="bg1">
                     <a:lumMod val="75000"/>
@@ -5131,11 +5028,11 @@
               <a:t>buffer address</a:t>
             </a:r>
             <a:r>
-              <a:rPr lang="en-US" altLang="zh-CN" sz="2800" dirty="0" smtClean="0"/>
+              <a:rPr lang="en-US" altLang="zh-CN" sz="2800"/>
               <a:t>, </a:t>
             </a:r>
             <a:r>
-              <a:rPr lang="en-US" altLang="zh-CN" sz="2800" dirty="0" smtClean="0">
+              <a:rPr lang="en-US" altLang="zh-CN" sz="2800">
                 <a:solidFill>
                   <a:schemeClr val="bg1">
                     <a:lumMod val="75000"/>
@@ -5145,17 +5042,64 @@
               <a:t>need size</a:t>
             </a:r>
             <a:r>
-              <a:rPr lang="en-US" altLang="zh-CN" sz="2800" dirty="0" smtClean="0"/>
+              <a:rPr lang="en-US" altLang="zh-CN" sz="2800"/>
               <a:t>, </a:t>
             </a:r>
             <a:r>
-              <a:rPr lang="en-US" altLang="zh-CN" sz="2800" dirty="0" smtClean="0">
+              <a:rPr lang="en-US" altLang="zh-CN" sz="2800" smtClean="0">
                 <a:solidFill>
                   <a:schemeClr val="accent2"/>
                 </a:solidFill>
               </a:rPr>
               <a:t>userdata</a:t>
             </a:r>
+            <a:endParaRPr lang="en-US" altLang="zh-CN" sz="2800">
+              <a:solidFill>
+                <a:schemeClr val="accent2"/>
+              </a:solidFill>
+            </a:endParaRPr>
+          </a:p>
+        </p:txBody>
+      </p:sp>
+      <p:sp>
+        <p:nvSpPr>
+          <p:cNvPr id="21" name="文本框 20"/>
+          <p:cNvSpPr txBox="1"/>
+          <p:nvPr/>
+        </p:nvSpPr>
+        <p:spPr>
+          <a:xfrm>
+            <a:off x="2993369" y="2622733"/>
+            <a:ext cx="2140651" cy="523220"/>
+          </a:xfrm>
+          <a:prstGeom prst="rect">
+            <a:avLst/>
+          </a:prstGeom>
+          <a:noFill/>
+        </p:spPr>
+        <p:txBody>
+          <a:bodyPr wrap="none" rtlCol="0">
+            <a:spAutoFit/>
+          </a:bodyPr>
+          <a:lstStyle/>
+          <a:p>
+            <a:r>
+              <a:rPr lang="en-US" altLang="zh-CN" sz="2800" smtClean="0"/>
+              <a:t>1. </a:t>
+            </a:r>
+            <a:r>
+              <a:rPr lang="en-US" altLang="zh-CN" sz="2800">
+                <a:solidFill>
+                  <a:schemeClr val="accent2"/>
+                </a:solidFill>
+              </a:rPr>
+              <a:t>buffer_size</a:t>
+            </a:r>
+            <a:endParaRPr lang="en-US" altLang="zh-CN" sz="2800" smtClean="0">
+              <a:solidFill>
+                <a:schemeClr val="accent2"/>
+              </a:solidFill>
+            </a:endParaRPr>
           </a:p>
         </p:txBody>
       </p:sp>
@@ -5224,16 +5168,16 @@
           </a:bodyPr>
           <a:lstStyle/>
           <a:p>
-            <a:endParaRPr lang="en-US" altLang="zh-CN" dirty="0" smtClean="0"/>
-          </a:p>
-          <a:p>
-            <a:r>
-              <a:rPr lang="en-US" altLang="zh-CN" dirty="0" smtClean="0"/>
+            <a:endParaRPr lang="en-US" altLang="zh-CN" smtClean="0"/>
+          </a:p>
+          <a:p>
+            <a:r>
+              <a:rPr lang="en-US" altLang="zh-CN" smtClean="0"/>
               <a:t>Audio Device</a:t>
             </a:r>
           </a:p>
           <a:p>
-            <a:endParaRPr lang="zh-CN" altLang="en-US" dirty="0"/>
+            <a:endParaRPr lang="zh-CN" altLang="en-US"/>
           </a:p>
         </p:txBody>
       </p:sp>
@@ -5303,10 +5247,10 @@
               <a:lstStyle/>
               <a:p>
                 <a:r>
-                  <a:rPr lang="en-US" altLang="zh-CN" sz="1400" dirty="0" smtClean="0"/>
+                  <a:rPr lang="en-US" altLang="zh-CN" sz="1400" smtClean="0"/>
                   <a:t>Sample</a:t>
                 </a:r>
-                <a:endParaRPr lang="zh-CN" altLang="en-US" sz="1400" dirty="0"/>
+                <a:endParaRPr lang="zh-CN" altLang="en-US" sz="1400"/>
               </a:p>
             </p:txBody>
           </p:sp>
@@ -5348,10 +5292,10 @@
               <a:lstStyle/>
               <a:p>
                 <a:r>
-                  <a:rPr lang="en-US" altLang="zh-CN" sz="1400" dirty="0" smtClean="0"/>
+                  <a:rPr lang="en-US" altLang="zh-CN" sz="1400" smtClean="0"/>
                   <a:t>Sample</a:t>
                 </a:r>
-                <a:endParaRPr lang="zh-CN" altLang="en-US" sz="1400" dirty="0"/>
+                <a:endParaRPr lang="zh-CN" altLang="en-US" sz="1400"/>
               </a:p>
             </p:txBody>
           </p:sp>
@@ -5393,10 +5337,10 @@
               <a:lstStyle/>
               <a:p>
                 <a:r>
-                  <a:rPr lang="en-US" altLang="zh-CN" sz="1400" dirty="0" smtClean="0"/>
+                  <a:rPr lang="en-US" altLang="zh-CN" sz="1400" smtClean="0"/>
                   <a:t>Sample</a:t>
                 </a:r>
-                <a:endParaRPr lang="zh-CN" altLang="en-US" sz="1400" dirty="0"/>
+                <a:endParaRPr lang="zh-CN" altLang="en-US" sz="1400"/>
               </a:p>
             </p:txBody>
           </p:sp>
@@ -5438,10 +5382,10 @@
               <a:lstStyle/>
               <a:p>
                 <a:r>
-                  <a:rPr lang="en-US" altLang="zh-CN" sz="1400" dirty="0" smtClean="0"/>
+                  <a:rPr lang="en-US" altLang="zh-CN" sz="1400" smtClean="0"/>
                   <a:t>Sample</a:t>
                 </a:r>
-                <a:endParaRPr lang="zh-CN" altLang="en-US" sz="1400" dirty="0"/>
+                <a:endParaRPr lang="zh-CN" altLang="en-US" sz="1400"/>
               </a:p>
             </p:txBody>
           </p:sp>
@@ -5518,7 +5462,7 @@
             <a:lstStyle/>
             <a:p>
               <a:r>
-                <a:rPr lang="en-US" altLang="zh-CN" dirty="0" smtClean="0">
+                <a:rPr lang="en-US" altLang="zh-CN" smtClean="0">
                   <a:solidFill>
                     <a:schemeClr val="accent2">
                       <a:lumMod val="75000"/>
@@ -5527,7 +5471,7 @@
                 </a:rPr>
                 <a:t>…</a:t>
               </a:r>
-              <a:endParaRPr lang="zh-CN" altLang="en-US" dirty="0">
+              <a:endParaRPr lang="zh-CN" altLang="en-US">
                 <a:solidFill>
                   <a:schemeClr val="accent2">
                     <a:lumMod val="75000"/>
@@ -5599,10 +5543,10 @@
           <a:lstStyle/>
           <a:p>
             <a:r>
-              <a:rPr lang="en-US" altLang="zh-CN" dirty="0" smtClean="0"/>
+              <a:rPr lang="en-US" altLang="zh-CN" smtClean="0"/>
               <a:t>buffer</a:t>
             </a:r>
-            <a:endParaRPr lang="zh-CN" altLang="en-US" dirty="0"/>
+            <a:endParaRPr lang="zh-CN" altLang="en-US"/>
           </a:p>
         </p:txBody>
       </p:sp>
@@ -5629,15 +5573,15 @@
           <a:lstStyle/>
           <a:p>
             <a:r>
-              <a:rPr lang="en-US" altLang="zh-CN" sz="2800" dirty="0"/>
+              <a:rPr lang="en-US" altLang="zh-CN" sz="2800"/>
               <a:t>2</a:t>
             </a:r>
             <a:r>
-              <a:rPr lang="en-US" altLang="zh-CN" sz="2800" dirty="0" smtClean="0"/>
+              <a:rPr lang="en-US" altLang="zh-CN" sz="2800" smtClean="0"/>
               <a:t>. </a:t>
             </a:r>
             <a:r>
-              <a:rPr lang="en-US" altLang="zh-CN" sz="2800" dirty="0" smtClean="0">
+              <a:rPr lang="en-US" altLang="zh-CN" sz="2800" smtClean="0">
                 <a:solidFill>
                   <a:schemeClr val="accent2"/>
                 </a:solidFill>
@@ -5645,15 +5589,15 @@
               <a:t>sample_rate</a:t>
             </a:r>
             <a:r>
-              <a:rPr lang="en-US" altLang="zh-CN" sz="2800" dirty="0" smtClean="0"/>
+              <a:rPr lang="en-US" altLang="zh-CN" sz="2800" smtClean="0"/>
               <a:t>,</a:t>
             </a:r>
             <a:r>
-              <a:rPr lang="en-US" altLang="zh-CN" sz="2800" dirty="0"/>
+              <a:rPr lang="en-US" altLang="zh-CN" sz="2800"/>
               <a:t> </a:t>
             </a:r>
             <a:r>
-              <a:rPr lang="en-US" altLang="zh-CN" sz="2800" dirty="0" smtClean="0">
+              <a:rPr lang="en-US" altLang="zh-CN" sz="2800" smtClean="0">
                 <a:solidFill>
                   <a:schemeClr val="accent2"/>
                 </a:solidFill>
@@ -5661,22 +5605,22 @@
               <a:t>sample_format</a:t>
             </a:r>
             <a:r>
-              <a:rPr lang="en-US" altLang="zh-CN" sz="2800" dirty="0" smtClean="0"/>
+              <a:rPr lang="en-US" altLang="zh-CN" sz="2800" smtClean="0"/>
               <a:t>,</a:t>
             </a:r>
             <a:r>
-              <a:rPr lang="en-US" altLang="zh-CN" sz="2800" dirty="0"/>
+              <a:rPr lang="en-US" altLang="zh-CN" sz="2800"/>
               <a:t> </a:t>
             </a:r>
             <a:r>
-              <a:rPr lang="en-US" altLang="zh-CN" sz="2800" dirty="0">
+              <a:rPr lang="en-US" altLang="zh-CN" sz="2800">
                 <a:solidFill>
                   <a:schemeClr val="accent2"/>
                 </a:solidFill>
               </a:rPr>
               <a:t>channels</a:t>
             </a:r>
-            <a:endParaRPr lang="en-US" altLang="zh-CN" sz="2800" dirty="0" smtClean="0">
+            <a:endParaRPr lang="en-US" altLang="zh-CN" sz="2800" smtClean="0">
               <a:solidFill>
                 <a:schemeClr val="accent2"/>
               </a:solidFill>
@@ -5707,10 +5651,10 @@
           <a:lstStyle/>
           <a:p>
             <a:r>
-              <a:rPr lang="en-US" altLang="zh-CN" sz="3600" dirty="0"/>
+              <a:rPr lang="en-US" altLang="zh-CN" sz="3600"/>
               <a:t>SDL_AudioSpec</a:t>
             </a:r>
-            <a:endParaRPr lang="zh-CN" altLang="en-US" sz="3600" dirty="0"/>
+            <a:endParaRPr lang="zh-CN" altLang="en-US" sz="3600"/>
           </a:p>
         </p:txBody>
       </p:sp>
@@ -5723,7 +5667,7 @@
         <p:spPr>
           <a:xfrm>
             <a:off x="2993369" y="4060357"/>
-            <a:ext cx="2140651" cy="523220"/>
+            <a:ext cx="6985182" cy="523220"/>
           </a:xfrm>
           <a:prstGeom prst="rect">
             <a:avLst/>
@@ -5737,52 +5681,15 @@
           <a:lstStyle/>
           <a:p>
             <a:r>
-              <a:rPr lang="en-US" altLang="zh-CN" sz="2800" dirty="0"/>
+              <a:rPr lang="en-US" altLang="zh-CN" sz="2800"/>
               <a:t>3</a:t>
             </a:r>
             <a:r>
-              <a:rPr lang="en-US" altLang="zh-CN" sz="2800" dirty="0" smtClean="0"/>
+              <a:rPr lang="en-US" altLang="zh-CN" sz="2800" smtClean="0"/>
               <a:t>. </a:t>
             </a:r>
             <a:r>
-              <a:rPr lang="en-US" altLang="zh-CN" sz="2800" dirty="0" smtClean="0">
-                <a:solidFill>
-                  <a:schemeClr val="accent2"/>
-                </a:solidFill>
-              </a:rPr>
-              <a:t>buffer_size</a:t>
-            </a:r>
-          </a:p>
-        </p:txBody>
-      </p:sp>
-      <p:sp>
-        <p:nvSpPr>
-          <p:cNvPr id="19" name="文本框 18"/>
-          <p:cNvSpPr txBox="1"/>
-          <p:nvPr/>
-        </p:nvSpPr>
-        <p:spPr>
-          <a:xfrm>
-            <a:off x="2993369" y="2622733"/>
-            <a:ext cx="6985182" cy="523220"/>
-          </a:xfrm>
-          <a:prstGeom prst="rect">
-            <a:avLst/>
-          </a:prstGeom>
-          <a:noFill/>
-        </p:spPr>
-        <p:txBody>
-          <a:bodyPr wrap="none" rtlCol="0">
-            <a:spAutoFit/>
-          </a:bodyPr>
-          <a:lstStyle/>
-          <a:p>
-            <a:r>
-              <a:rPr lang="en-US" altLang="zh-CN" sz="2800" dirty="0" smtClean="0"/>
-              <a:t>1. </a:t>
-            </a:r>
-            <a:r>
-              <a:rPr lang="en-US" altLang="zh-CN" sz="2800" dirty="0" smtClean="0">
+              <a:rPr lang="en-US" altLang="zh-CN" sz="2800">
                 <a:solidFill>
                   <a:schemeClr val="accent2"/>
                 </a:solidFill>
@@ -5790,11 +5697,11 @@
               <a:t>Callback</a:t>
             </a:r>
             <a:r>
-              <a:rPr lang="en-US" altLang="zh-CN" sz="2800" dirty="0" smtClean="0"/>
+              <a:rPr lang="en-US" altLang="zh-CN" sz="2800"/>
               <a:t>: </a:t>
             </a:r>
             <a:r>
-              <a:rPr lang="en-US" altLang="zh-CN" sz="2800" dirty="0" smtClean="0">
+              <a:rPr lang="en-US" altLang="zh-CN" sz="2800">
                 <a:solidFill>
                   <a:schemeClr val="bg1">
                     <a:lumMod val="75000"/>
@@ -5804,11 +5711,11 @@
               <a:t>buffer address</a:t>
             </a:r>
             <a:r>
-              <a:rPr lang="en-US" altLang="zh-CN" sz="2800" dirty="0" smtClean="0"/>
+              <a:rPr lang="en-US" altLang="zh-CN" sz="2800"/>
               <a:t>, </a:t>
             </a:r>
             <a:r>
-              <a:rPr lang="en-US" altLang="zh-CN" sz="2800" dirty="0" smtClean="0">
+              <a:rPr lang="en-US" altLang="zh-CN" sz="2800">
                 <a:solidFill>
                   <a:schemeClr val="bg1">
                     <a:lumMod val="75000"/>
@@ -5818,17 +5725,64 @@
               <a:t>need size</a:t>
             </a:r>
             <a:r>
-              <a:rPr lang="en-US" altLang="zh-CN" sz="2800" dirty="0" smtClean="0"/>
+              <a:rPr lang="en-US" altLang="zh-CN" sz="2800"/>
               <a:t>, </a:t>
             </a:r>
             <a:r>
-              <a:rPr lang="en-US" altLang="zh-CN" sz="2800" dirty="0" smtClean="0">
+              <a:rPr lang="en-US" altLang="zh-CN" sz="2800" smtClean="0">
                 <a:solidFill>
                   <a:schemeClr val="accent2"/>
                 </a:solidFill>
               </a:rPr>
               <a:t>userdata</a:t>
             </a:r>
+            <a:endParaRPr lang="en-US" altLang="zh-CN" sz="2800">
+              <a:solidFill>
+                <a:schemeClr val="accent2"/>
+              </a:solidFill>
+            </a:endParaRPr>
+          </a:p>
+        </p:txBody>
+      </p:sp>
+      <p:sp>
+        <p:nvSpPr>
+          <p:cNvPr id="19" name="文本框 18"/>
+          <p:cNvSpPr txBox="1"/>
+          <p:nvPr/>
+        </p:nvSpPr>
+        <p:spPr>
+          <a:xfrm>
+            <a:off x="2993369" y="2622733"/>
+            <a:ext cx="2140651" cy="523220"/>
+          </a:xfrm>
+          <a:prstGeom prst="rect">
+            <a:avLst/>
+          </a:prstGeom>
+          <a:noFill/>
+        </p:spPr>
+        <p:txBody>
+          <a:bodyPr wrap="none" rtlCol="0">
+            <a:spAutoFit/>
+          </a:bodyPr>
+          <a:lstStyle/>
+          <a:p>
+            <a:r>
+              <a:rPr lang="en-US" altLang="zh-CN" sz="2800" smtClean="0"/>
+              <a:t>1. </a:t>
+            </a:r>
+            <a:r>
+              <a:rPr lang="en-US" altLang="zh-CN" sz="2800">
+                <a:solidFill>
+                  <a:schemeClr val="accent2"/>
+                </a:solidFill>
+              </a:rPr>
+              <a:t>buffer_size</a:t>
+            </a:r>
+            <a:endParaRPr lang="en-US" altLang="zh-CN" sz="2800" smtClean="0">
+              <a:solidFill>
+                <a:schemeClr val="accent2"/>
+              </a:solidFill>
+            </a:endParaRPr>
           </a:p>
         </p:txBody>
       </p:sp>
@@ -5836,6 +5790,1442 @@
     <p:extLst>
       <p:ext uri="{BB962C8B-B14F-4D97-AF65-F5344CB8AC3E}">
         <p14:creationId xmlns:p14="http://schemas.microsoft.com/office/powerpoint/2010/main" val="1027916594"/>
+      </p:ext>
+    </p:extLst>
+  </p:cSld>
+  <p:clrMapOvr>
+    <a:masterClrMapping/>
+  </p:clrMapOvr>
+</p:sld>
+</file>
+
+<file path=ppt/slides/slide6.xml><?xml version="1.0" encoding="utf-8"?>
+<p:sld xmlns:a="http://schemas.openxmlformats.org/drawingml/2006/main" xmlns:r="http://schemas.openxmlformats.org/officeDocument/2006/relationships" xmlns:p="http://schemas.openxmlformats.org/presentationml/2006/main">
+  <p:cSld>
+    <p:spTree>
+      <p:nvGrpSpPr>
+        <p:cNvPr id="1" name=""/>
+        <p:cNvGrpSpPr/>
+        <p:nvPr/>
+      </p:nvGrpSpPr>
+      <p:grpSpPr>
+        <a:xfrm>
+          <a:off x="0" y="0"/>
+          <a:ext cx="0" cy="0"/>
+          <a:chOff x="0" y="0"/>
+          <a:chExt cx="0" cy="0"/>
+        </a:xfrm>
+      </p:grpSpPr>
+      <p:sp>
+        <p:nvSpPr>
+          <p:cNvPr id="3" name="内容占位符 2"/>
+          <p:cNvSpPr>
+            <a:spLocks noGrp="1"/>
+          </p:cNvSpPr>
+          <p:nvPr>
+            <p:ph idx="1"/>
+          </p:nvPr>
+        </p:nvSpPr>
+        <p:spPr>
+          <a:xfrm>
+            <a:off x="838200" y="569343"/>
+            <a:ext cx="10515600" cy="5607620"/>
+          </a:xfrm>
+        </p:spPr>
+        <p:txBody>
+          <a:bodyPr/>
+          <a:lstStyle/>
+          <a:p>
+            <a:pPr marL="0" indent="0">
+              <a:buNone/>
+            </a:pPr>
+            <a:r>
+              <a:rPr lang="en-US" altLang="zh-CN"/>
+              <a:t>SDL_AudioSpec   </a:t>
+            </a:r>
+            <a:r>
+              <a:rPr lang="en-US" altLang="zh-CN" err="1" smtClean="0"/>
+              <a:t>wanted_spec</a:t>
+            </a:r>
+            <a:r>
+              <a:rPr lang="en-US" altLang="zh-CN"/>
+              <a:t>, spec;</a:t>
+            </a:r>
+            <a:endParaRPr lang="en-US" altLang="zh-CN" smtClean="0"/>
+          </a:p>
+          <a:p>
+            <a:pPr marL="0" indent="0">
+              <a:buNone/>
+            </a:pPr>
+            <a:r>
+              <a:rPr lang="en-US" altLang="zh-CN" err="1" smtClean="0"/>
+              <a:t>wanted_spec.freq</a:t>
+            </a:r>
+            <a:r>
+              <a:rPr lang="en-US" altLang="zh-CN" smtClean="0"/>
+              <a:t> </a:t>
+            </a:r>
+            <a:r>
+              <a:rPr lang="en-US" altLang="zh-CN"/>
+              <a:t>= </a:t>
+            </a:r>
+            <a:r>
+              <a:rPr lang="en-US" altLang="zh-CN" err="1"/>
+              <a:t>aCodecCtx</a:t>
+            </a:r>
+            <a:r>
+              <a:rPr lang="en-US" altLang="zh-CN"/>
+              <a:t>-&gt;sample_rate;</a:t>
+            </a:r>
+          </a:p>
+          <a:p>
+            <a:pPr marL="0" indent="0">
+              <a:buNone/>
+            </a:pPr>
+            <a:r>
+              <a:rPr lang="en-US" altLang="zh-CN" err="1"/>
+              <a:t>wanted_spec.format</a:t>
+            </a:r>
+            <a:r>
+              <a:rPr lang="en-US" altLang="zh-CN"/>
+              <a:t> = AUDIO_S16SYS;</a:t>
+            </a:r>
+          </a:p>
+          <a:p>
+            <a:pPr marL="0" indent="0">
+              <a:buNone/>
+            </a:pPr>
+            <a:r>
+              <a:rPr lang="en-US" altLang="zh-CN" err="1"/>
+              <a:t>wanted_spec.channels</a:t>
+            </a:r>
+            <a:r>
+              <a:rPr lang="en-US" altLang="zh-CN"/>
+              <a:t> = </a:t>
+            </a:r>
+            <a:r>
+              <a:rPr lang="en-US" altLang="zh-CN" err="1"/>
+              <a:t>aCodecCtx</a:t>
+            </a:r>
+            <a:r>
+              <a:rPr lang="en-US" altLang="zh-CN"/>
+              <a:t>-&gt;channels;</a:t>
+            </a:r>
+          </a:p>
+          <a:p>
+            <a:pPr marL="0" indent="0">
+              <a:buNone/>
+            </a:pPr>
+            <a:r>
+              <a:rPr lang="en-US" altLang="zh-CN" err="1"/>
+              <a:t>wanted_spec.samples</a:t>
+            </a:r>
+            <a:r>
+              <a:rPr lang="en-US" altLang="zh-CN"/>
+              <a:t> = </a:t>
+            </a:r>
+            <a:r>
+              <a:rPr lang="en-US" altLang="zh-CN" smtClean="0"/>
+              <a:t>1024;</a:t>
+            </a:r>
+            <a:endParaRPr lang="en-US" altLang="zh-CN"/>
+          </a:p>
+          <a:p>
+            <a:pPr marL="0" indent="0">
+              <a:buNone/>
+            </a:pPr>
+            <a:r>
+              <a:rPr lang="en-US" altLang="zh-CN" err="1"/>
+              <a:t>wanted_spec.callback</a:t>
+            </a:r>
+            <a:r>
+              <a:rPr lang="en-US" altLang="zh-CN"/>
+              <a:t> = </a:t>
+            </a:r>
+            <a:r>
+              <a:rPr lang="en-US" altLang="zh-CN" err="1"/>
+              <a:t>audio_callback</a:t>
+            </a:r>
+            <a:r>
+              <a:rPr lang="en-US" altLang="zh-CN"/>
+              <a:t>;</a:t>
+            </a:r>
+          </a:p>
+          <a:p>
+            <a:pPr marL="0" indent="0">
+              <a:buNone/>
+            </a:pPr>
+            <a:r>
+              <a:rPr lang="en-US" altLang="zh-CN" err="1"/>
+              <a:t>wanted_spec.userdata</a:t>
+            </a:r>
+            <a:r>
+              <a:rPr lang="en-US" altLang="zh-CN"/>
+              <a:t> = </a:t>
+            </a:r>
+            <a:r>
+              <a:rPr lang="en-US" altLang="zh-CN" err="1" smtClean="0"/>
+              <a:t>aCodecCtx</a:t>
+            </a:r>
+            <a:r>
+              <a:rPr lang="en-US" altLang="zh-CN" smtClean="0"/>
+              <a:t>;</a:t>
+            </a:r>
+          </a:p>
+          <a:p>
+            <a:pPr marL="0" indent="0">
+              <a:buNone/>
+            </a:pPr>
+            <a:r>
+              <a:rPr lang="en-US" altLang="zh-CN"/>
+              <a:t>void </a:t>
+            </a:r>
+            <a:r>
+              <a:rPr lang="en-US" altLang="zh-CN" err="1"/>
+              <a:t>audio_callback</a:t>
+            </a:r>
+            <a:r>
+              <a:rPr lang="en-US" altLang="zh-CN"/>
+              <a:t>(void *userdata, Uint8 *stream, </a:t>
+            </a:r>
+            <a:r>
+              <a:rPr lang="en-US" altLang="zh-CN" err="1"/>
+              <a:t>int</a:t>
+            </a:r>
+            <a:r>
+              <a:rPr lang="en-US" altLang="zh-CN"/>
+              <a:t> </a:t>
+            </a:r>
+            <a:r>
+              <a:rPr lang="en-US" altLang="zh-CN" err="1"/>
+              <a:t>len</a:t>
+            </a:r>
+            <a:r>
+              <a:rPr lang="en-US" altLang="zh-CN"/>
+              <a:t>) </a:t>
+            </a:r>
+            <a:r>
+              <a:rPr lang="en-US" altLang="zh-CN" smtClean="0"/>
+              <a:t>{…}</a:t>
+            </a:r>
+          </a:p>
+          <a:p>
+            <a:pPr marL="0" indent="0">
+              <a:buNone/>
+            </a:pPr>
+            <a:r>
+              <a:rPr lang="en-US" altLang="zh-CN" err="1"/>
+              <a:t>SDL_OpenAudio</a:t>
+            </a:r>
+            <a:r>
+              <a:rPr lang="en-US" altLang="zh-CN"/>
+              <a:t>(&amp;</a:t>
+            </a:r>
+            <a:r>
+              <a:rPr lang="en-US" altLang="zh-CN" err="1"/>
+              <a:t>wanted_spec</a:t>
+            </a:r>
+            <a:r>
+              <a:rPr lang="en-US" altLang="zh-CN"/>
+              <a:t>, &amp;spec</a:t>
+            </a:r>
+            <a:r>
+              <a:rPr lang="en-US" altLang="zh-CN" smtClean="0"/>
+              <a:t>);</a:t>
+            </a:r>
+          </a:p>
+          <a:p>
+            <a:pPr marL="0" indent="0">
+              <a:buNone/>
+            </a:pPr>
+            <a:r>
+              <a:rPr lang="en-US" altLang="zh-CN" err="1"/>
+              <a:t>SDL_PauseAudio</a:t>
+            </a:r>
+            <a:r>
+              <a:rPr lang="en-US" altLang="zh-CN"/>
+              <a:t>(0);</a:t>
+            </a:r>
+            <a:endParaRPr lang="zh-CN" altLang="en-US"/>
+          </a:p>
+        </p:txBody>
+      </p:sp>
+    </p:spTree>
+    <p:extLst>
+      <p:ext uri="{BB962C8B-B14F-4D97-AF65-F5344CB8AC3E}">
+        <p14:creationId xmlns:p14="http://schemas.microsoft.com/office/powerpoint/2010/main" val="593215640"/>
+      </p:ext>
+    </p:extLst>
+  </p:cSld>
+  <p:clrMapOvr>
+    <a:masterClrMapping/>
+  </p:clrMapOvr>
+</p:sld>
+</file>
+
+<file path=ppt/slides/slide7.xml><?xml version="1.0" encoding="utf-8"?>
+<p:sld xmlns:a="http://schemas.openxmlformats.org/drawingml/2006/main" xmlns:r="http://schemas.openxmlformats.org/officeDocument/2006/relationships" xmlns:p="http://schemas.openxmlformats.org/presentationml/2006/main">
+  <p:cSld>
+    <p:spTree>
+      <p:nvGrpSpPr>
+        <p:cNvPr id="1" name=""/>
+        <p:cNvGrpSpPr/>
+        <p:nvPr/>
+      </p:nvGrpSpPr>
+      <p:grpSpPr>
+        <a:xfrm>
+          <a:off x="0" y="0"/>
+          <a:ext cx="0" cy="0"/>
+          <a:chOff x="0" y="0"/>
+          <a:chExt cx="0" cy="0"/>
+        </a:xfrm>
+      </p:grpSpPr>
+      <p:sp>
+        <p:nvSpPr>
+          <p:cNvPr id="4" name="内容占位符 2"/>
+          <p:cNvSpPr>
+            <a:spLocks noGrp="1"/>
+          </p:cNvSpPr>
+          <p:nvPr>
+            <p:ph idx="1"/>
+          </p:nvPr>
+        </p:nvSpPr>
+        <p:spPr>
+          <a:xfrm>
+            <a:off x="838200" y="569343"/>
+            <a:ext cx="10515600" cy="5607620"/>
+          </a:xfrm>
+        </p:spPr>
+        <p:txBody>
+          <a:bodyPr/>
+          <a:lstStyle/>
+          <a:p>
+            <a:r>
+              <a:rPr lang="zh-CN" altLang="en-US" smtClean="0"/>
+              <a:t>设置 </a:t>
+            </a:r>
+            <a:r>
+              <a:rPr lang="en-US" altLang="zh-CN" smtClean="0"/>
+              <a:t>SDL_AudioSpec </a:t>
+            </a:r>
+          </a:p>
+          <a:p>
+            <a:r>
+              <a:rPr lang="zh-CN" altLang="en-US" smtClean="0"/>
+              <a:t>实现 </a:t>
+            </a:r>
+            <a:r>
+              <a:rPr lang="en-US" altLang="zh-CN" smtClean="0"/>
+              <a:t>callback </a:t>
+            </a:r>
+            <a:r>
+              <a:rPr lang="zh-CN" altLang="en-US" smtClean="0"/>
+              <a:t>函数</a:t>
+            </a:r>
+            <a:endParaRPr lang="en-US" altLang="zh-CN" smtClean="0"/>
+          </a:p>
+          <a:p>
+            <a:r>
+              <a:rPr lang="zh-CN" altLang="en-US" smtClean="0"/>
+              <a:t>打开音频设备：</a:t>
+            </a:r>
+            <a:r>
+              <a:rPr lang="en-US" altLang="zh-CN" err="1" smtClean="0"/>
+              <a:t>SDL_OpenAudio</a:t>
+            </a:r>
+            <a:r>
+              <a:rPr lang="en-US" altLang="zh-CN"/>
+              <a:t>(&amp;</a:t>
+            </a:r>
+            <a:r>
+              <a:rPr lang="en-US" altLang="zh-CN" err="1"/>
+              <a:t>wanted_spec</a:t>
+            </a:r>
+            <a:r>
+              <a:rPr lang="en-US" altLang="zh-CN"/>
+              <a:t>, &amp;spec</a:t>
+            </a:r>
+            <a:r>
+              <a:rPr lang="en-US" altLang="zh-CN" smtClean="0"/>
+              <a:t>);</a:t>
+            </a:r>
+          </a:p>
+          <a:p>
+            <a:r>
+              <a:rPr lang="zh-CN" altLang="en-US" smtClean="0"/>
+              <a:t>开始播放音频：</a:t>
+            </a:r>
+            <a:r>
+              <a:rPr lang="en-US" altLang="zh-CN" err="1" smtClean="0"/>
+              <a:t>SDL_PauseAudio</a:t>
+            </a:r>
+            <a:r>
+              <a:rPr lang="en-US" altLang="zh-CN" smtClean="0"/>
+              <a:t>(0</a:t>
+            </a:r>
+            <a:r>
+              <a:rPr lang="en-US" altLang="zh-CN"/>
+              <a:t>);</a:t>
+            </a:r>
+            <a:endParaRPr lang="zh-CN" altLang="en-US"/>
+          </a:p>
+        </p:txBody>
+      </p:sp>
+    </p:spTree>
+    <p:extLst>
+      <p:ext uri="{BB962C8B-B14F-4D97-AF65-F5344CB8AC3E}">
+        <p14:creationId xmlns:p14="http://schemas.microsoft.com/office/powerpoint/2010/main" val="2998278856"/>
+      </p:ext>
+    </p:extLst>
+  </p:cSld>
+  <p:clrMapOvr>
+    <a:masterClrMapping/>
+  </p:clrMapOvr>
+</p:sld>
+</file>
+
+<file path=ppt/slides/slide8.xml><?xml version="1.0" encoding="utf-8"?>
+<p:sld xmlns:a="http://schemas.openxmlformats.org/drawingml/2006/main" xmlns:r="http://schemas.openxmlformats.org/officeDocument/2006/relationships" xmlns:p="http://schemas.openxmlformats.org/presentationml/2006/main">
+  <p:cSld>
+    <p:spTree>
+      <p:nvGrpSpPr>
+        <p:cNvPr id="1" name=""/>
+        <p:cNvGrpSpPr/>
+        <p:nvPr/>
+      </p:nvGrpSpPr>
+      <p:grpSpPr>
+        <a:xfrm>
+          <a:off x="0" y="0"/>
+          <a:ext cx="0" cy="0"/>
+          <a:chOff x="0" y="0"/>
+          <a:chExt cx="0" cy="0"/>
+        </a:xfrm>
+      </p:grpSpPr>
+      <p:sp>
+        <p:nvSpPr>
+          <p:cNvPr id="4" name="文本框 3"/>
+          <p:cNvSpPr txBox="1"/>
+          <p:nvPr/>
+        </p:nvSpPr>
+        <p:spPr>
+          <a:xfrm>
+            <a:off x="5374256" y="1000666"/>
+            <a:ext cx="1971374" cy="923330"/>
+          </a:xfrm>
+          <a:prstGeom prst="rect">
+            <a:avLst/>
+          </a:prstGeom>
+        </p:spPr>
+        <p:style>
+          <a:lnRef idx="2">
+            <a:schemeClr val="dk1"/>
+          </a:lnRef>
+          <a:fillRef idx="1">
+            <a:schemeClr val="lt1"/>
+          </a:fillRef>
+          <a:effectRef idx="0">
+            <a:schemeClr val="dk1"/>
+          </a:effectRef>
+          <a:fontRef idx="minor">
+            <a:schemeClr val="dk1"/>
+          </a:fontRef>
+        </p:style>
+        <p:txBody>
+          <a:bodyPr wrap="none" rtlCol="0">
+            <a:spAutoFit/>
+          </a:bodyPr>
+          <a:lstStyle/>
+          <a:p>
+            <a:endParaRPr lang="en-US" altLang="zh-CN" smtClean="0"/>
+          </a:p>
+          <a:p>
+            <a:r>
+              <a:rPr lang="zh-CN" altLang="en-US" smtClean="0"/>
+              <a:t>    读一个 </a:t>
+            </a:r>
+            <a:r>
+              <a:rPr lang="en-US" altLang="zh-CN" smtClean="0"/>
+              <a:t>packet    </a:t>
+            </a:r>
+          </a:p>
+          <a:p>
+            <a:endParaRPr lang="zh-CN" altLang="en-US"/>
+          </a:p>
+        </p:txBody>
+      </p:sp>
+      <p:sp>
+        <p:nvSpPr>
+          <p:cNvPr id="5" name="文本框 4"/>
+          <p:cNvSpPr txBox="1"/>
+          <p:nvPr/>
+        </p:nvSpPr>
+        <p:spPr>
+          <a:xfrm>
+            <a:off x="5357003" y="2622433"/>
+            <a:ext cx="2000932" cy="923330"/>
+          </a:xfrm>
+          <a:prstGeom prst="rect">
+            <a:avLst/>
+          </a:prstGeom>
+        </p:spPr>
+        <p:style>
+          <a:lnRef idx="2">
+            <a:schemeClr val="dk1"/>
+          </a:lnRef>
+          <a:fillRef idx="1">
+            <a:schemeClr val="lt1"/>
+          </a:fillRef>
+          <a:effectRef idx="0">
+            <a:schemeClr val="dk1"/>
+          </a:effectRef>
+          <a:fontRef idx="minor">
+            <a:schemeClr val="dk1"/>
+          </a:fontRef>
+        </p:style>
+        <p:txBody>
+          <a:bodyPr wrap="none" rtlCol="0">
+            <a:spAutoFit/>
+          </a:bodyPr>
+          <a:lstStyle/>
+          <a:p>
+            <a:endParaRPr lang="en-US" altLang="zh-CN" smtClean="0"/>
+          </a:p>
+          <a:p>
+            <a:r>
+              <a:rPr lang="zh-CN" altLang="en-US" smtClean="0"/>
+              <a:t> 解码成视频 </a:t>
+            </a:r>
+            <a:r>
+              <a:rPr lang="en-US" altLang="zh-CN" smtClean="0"/>
+              <a:t>frame</a:t>
+            </a:r>
+          </a:p>
+          <a:p>
+            <a:endParaRPr lang="zh-CN" altLang="en-US"/>
+          </a:p>
+        </p:txBody>
+      </p:sp>
+      <p:sp>
+        <p:nvSpPr>
+          <p:cNvPr id="6" name="文本框 5"/>
+          <p:cNvSpPr txBox="1"/>
+          <p:nvPr/>
+        </p:nvSpPr>
+        <p:spPr>
+          <a:xfrm>
+            <a:off x="5345840" y="4149308"/>
+            <a:ext cx="2034596" cy="923330"/>
+          </a:xfrm>
+          <a:prstGeom prst="rect">
+            <a:avLst/>
+          </a:prstGeom>
+        </p:spPr>
+        <p:style>
+          <a:lnRef idx="2">
+            <a:schemeClr val="dk1"/>
+          </a:lnRef>
+          <a:fillRef idx="1">
+            <a:schemeClr val="lt1"/>
+          </a:fillRef>
+          <a:effectRef idx="0">
+            <a:schemeClr val="dk1"/>
+          </a:effectRef>
+          <a:fontRef idx="minor">
+            <a:schemeClr val="dk1"/>
+          </a:fontRef>
+        </p:style>
+        <p:txBody>
+          <a:bodyPr wrap="none" rtlCol="0">
+            <a:spAutoFit/>
+          </a:bodyPr>
+          <a:lstStyle/>
+          <a:p>
+            <a:endParaRPr lang="en-US" altLang="zh-CN" smtClean="0"/>
+          </a:p>
+          <a:p>
+            <a:r>
+              <a:rPr lang="zh-CN" altLang="en-US" smtClean="0"/>
+              <a:t>   显示视频 </a:t>
+            </a:r>
+            <a:r>
+              <a:rPr lang="en-US" altLang="zh-CN" smtClean="0"/>
+              <a:t>frame  </a:t>
+            </a:r>
+            <a:r>
+              <a:rPr lang="zh-CN" altLang="en-US" smtClean="0"/>
+              <a:t> </a:t>
+            </a:r>
+            <a:endParaRPr lang="en-US" altLang="zh-CN" smtClean="0"/>
+          </a:p>
+          <a:p>
+            <a:endParaRPr lang="zh-CN" altLang="en-US"/>
+          </a:p>
+        </p:txBody>
+      </p:sp>
+      <p:cxnSp>
+        <p:nvCxnSpPr>
+          <p:cNvPr id="8" name="直接箭头连接符 7"/>
+          <p:cNvCxnSpPr>
+            <a:stCxn id="4" idx="2"/>
+            <a:endCxn id="5" idx="0"/>
+          </p:cNvCxnSpPr>
+          <p:nvPr/>
+        </p:nvCxnSpPr>
+        <p:spPr>
+          <a:xfrm flipH="1">
+            <a:off x="6357469" y="1923996"/>
+            <a:ext cx="2474" cy="698437"/>
+          </a:xfrm>
+          <a:prstGeom prst="straightConnector1">
+            <a:avLst/>
+          </a:prstGeom>
+          <a:ln>
+            <a:tailEnd type="triangle"/>
+          </a:ln>
+        </p:spPr>
+        <p:style>
+          <a:lnRef idx="1">
+            <a:schemeClr val="accent1"/>
+          </a:lnRef>
+          <a:fillRef idx="0">
+            <a:schemeClr val="accent1"/>
+          </a:fillRef>
+          <a:effectRef idx="0">
+            <a:schemeClr val="accent1"/>
+          </a:effectRef>
+          <a:fontRef idx="minor">
+            <a:schemeClr val="tx1"/>
+          </a:fontRef>
+        </p:style>
+      </p:cxnSp>
+      <p:cxnSp>
+        <p:nvCxnSpPr>
+          <p:cNvPr id="10" name="直接箭头连接符 9"/>
+          <p:cNvCxnSpPr>
+            <a:stCxn id="5" idx="2"/>
+            <a:endCxn id="6" idx="0"/>
+          </p:cNvCxnSpPr>
+          <p:nvPr/>
+        </p:nvCxnSpPr>
+        <p:spPr>
+          <a:xfrm>
+            <a:off x="6357469" y="3545763"/>
+            <a:ext cx="5669" cy="603545"/>
+          </a:xfrm>
+          <a:prstGeom prst="straightConnector1">
+            <a:avLst/>
+          </a:prstGeom>
+          <a:ln>
+            <a:tailEnd type="triangle"/>
+          </a:ln>
+        </p:spPr>
+        <p:style>
+          <a:lnRef idx="1">
+            <a:schemeClr val="accent1"/>
+          </a:lnRef>
+          <a:fillRef idx="0">
+            <a:schemeClr val="accent1"/>
+          </a:fillRef>
+          <a:effectRef idx="0">
+            <a:schemeClr val="accent1"/>
+          </a:effectRef>
+          <a:fontRef idx="minor">
+            <a:schemeClr val="tx1"/>
+          </a:fontRef>
+        </p:style>
+      </p:cxnSp>
+      <p:cxnSp>
+        <p:nvCxnSpPr>
+          <p:cNvPr id="12" name="肘形连接符 11"/>
+          <p:cNvCxnSpPr>
+            <a:endCxn id="4" idx="1"/>
+          </p:cNvCxnSpPr>
+          <p:nvPr/>
+        </p:nvCxnSpPr>
+        <p:spPr>
+          <a:xfrm rot="5400000" flipH="1" flipV="1">
+            <a:off x="3053708" y="2290426"/>
+            <a:ext cx="3148642" cy="1492453"/>
+          </a:xfrm>
+          <a:prstGeom prst="bentConnector2">
+            <a:avLst/>
+          </a:prstGeom>
+          <a:ln>
+            <a:tailEnd type="triangle"/>
+          </a:ln>
+        </p:spPr>
+        <p:style>
+          <a:lnRef idx="1">
+            <a:schemeClr val="accent1"/>
+          </a:lnRef>
+          <a:fillRef idx="0">
+            <a:schemeClr val="accent1"/>
+          </a:fillRef>
+          <a:effectRef idx="0">
+            <a:schemeClr val="accent1"/>
+          </a:effectRef>
+          <a:fontRef idx="minor">
+            <a:schemeClr val="tx1"/>
+          </a:fontRef>
+        </p:style>
+      </p:cxnSp>
+      <p:cxnSp>
+        <p:nvCxnSpPr>
+          <p:cNvPr id="20" name="直接连接符 19"/>
+          <p:cNvCxnSpPr>
+            <a:endCxn id="6" idx="1"/>
+          </p:cNvCxnSpPr>
+          <p:nvPr/>
+        </p:nvCxnSpPr>
+        <p:spPr>
+          <a:xfrm>
+            <a:off x="3884846" y="4610973"/>
+            <a:ext cx="1460994" cy="0"/>
+          </a:xfrm>
+          <a:prstGeom prst="line">
+            <a:avLst/>
+          </a:prstGeom>
+        </p:spPr>
+        <p:style>
+          <a:lnRef idx="1">
+            <a:schemeClr val="accent1"/>
+          </a:lnRef>
+          <a:fillRef idx="0">
+            <a:schemeClr val="accent1"/>
+          </a:fillRef>
+          <a:effectRef idx="0">
+            <a:schemeClr val="accent1"/>
+          </a:effectRef>
+          <a:fontRef idx="minor">
+            <a:schemeClr val="tx1"/>
+          </a:fontRef>
+        </p:style>
+      </p:cxnSp>
+      <p:sp>
+        <p:nvSpPr>
+          <p:cNvPr id="25" name="文本框 24"/>
+          <p:cNvSpPr txBox="1"/>
+          <p:nvPr/>
+        </p:nvSpPr>
+        <p:spPr>
+          <a:xfrm>
+            <a:off x="3086622" y="2622433"/>
+            <a:ext cx="1417376" cy="369332"/>
+          </a:xfrm>
+          <a:prstGeom prst="rect">
+            <a:avLst/>
+          </a:prstGeom>
+        </p:spPr>
+        <p:style>
+          <a:lnRef idx="2">
+            <a:schemeClr val="dk1"/>
+          </a:lnRef>
+          <a:fillRef idx="1">
+            <a:schemeClr val="lt1"/>
+          </a:fillRef>
+          <a:effectRef idx="0">
+            <a:schemeClr val="dk1"/>
+          </a:effectRef>
+          <a:fontRef idx="minor">
+            <a:schemeClr val="dk1"/>
+          </a:fontRef>
+        </p:style>
+        <p:txBody>
+          <a:bodyPr wrap="none" rtlCol="0">
+            <a:spAutoFit/>
+          </a:bodyPr>
+          <a:lstStyle/>
+          <a:p>
+            <a:r>
+              <a:rPr lang="en-US" altLang="zh-CN" smtClean="0"/>
+              <a:t>sleep 1</a:t>
+            </a:r>
+            <a:r>
+              <a:rPr lang="en-US" altLang="zh-CN"/>
+              <a:t>/</a:t>
+            </a:r>
+            <a:r>
+              <a:rPr lang="zh-CN" altLang="en-US" smtClean="0"/>
+              <a:t>帧率</a:t>
+            </a:r>
+            <a:endParaRPr lang="zh-CN" altLang="en-US"/>
+          </a:p>
+        </p:txBody>
+      </p:sp>
+    </p:spTree>
+    <p:extLst>
+      <p:ext uri="{BB962C8B-B14F-4D97-AF65-F5344CB8AC3E}">
+        <p14:creationId xmlns:p14="http://schemas.microsoft.com/office/powerpoint/2010/main" val="3627458863"/>
+      </p:ext>
+    </p:extLst>
+  </p:cSld>
+  <p:clrMapOvr>
+    <a:masterClrMapping/>
+  </p:clrMapOvr>
+</p:sld>
+</file>
+
+<file path=ppt/slides/slide9.xml><?xml version="1.0" encoding="utf-8"?>
+<p:sld xmlns:a="http://schemas.openxmlformats.org/drawingml/2006/main" xmlns:r="http://schemas.openxmlformats.org/officeDocument/2006/relationships" xmlns:p="http://schemas.openxmlformats.org/presentationml/2006/main">
+  <p:cSld>
+    <p:spTree>
+      <p:nvGrpSpPr>
+        <p:cNvPr id="1" name=""/>
+        <p:cNvGrpSpPr/>
+        <p:nvPr/>
+      </p:nvGrpSpPr>
+      <p:grpSpPr>
+        <a:xfrm>
+          <a:off x="0" y="0"/>
+          <a:ext cx="0" cy="0"/>
+          <a:chOff x="0" y="0"/>
+          <a:chExt cx="0" cy="0"/>
+        </a:xfrm>
+      </p:grpSpPr>
+      <p:sp>
+        <p:nvSpPr>
+          <p:cNvPr id="4" name="文本框 3"/>
+          <p:cNvSpPr txBox="1"/>
+          <p:nvPr/>
+        </p:nvSpPr>
+        <p:spPr>
+          <a:xfrm>
+            <a:off x="2950233" y="1121436"/>
+            <a:ext cx="1971374" cy="923330"/>
+          </a:xfrm>
+          <a:prstGeom prst="rect">
+            <a:avLst/>
+          </a:prstGeom>
+        </p:spPr>
+        <p:style>
+          <a:lnRef idx="2">
+            <a:schemeClr val="dk1"/>
+          </a:lnRef>
+          <a:fillRef idx="1">
+            <a:schemeClr val="lt1"/>
+          </a:fillRef>
+          <a:effectRef idx="0">
+            <a:schemeClr val="dk1"/>
+          </a:effectRef>
+          <a:fontRef idx="minor">
+            <a:schemeClr val="dk1"/>
+          </a:fontRef>
+        </p:style>
+        <p:txBody>
+          <a:bodyPr wrap="none" rtlCol="0">
+            <a:spAutoFit/>
+          </a:bodyPr>
+          <a:lstStyle/>
+          <a:p>
+            <a:endParaRPr lang="en-US" altLang="zh-CN" smtClean="0"/>
+          </a:p>
+          <a:p>
+            <a:r>
+              <a:rPr lang="zh-CN" altLang="en-US" smtClean="0"/>
+              <a:t>    读一个 </a:t>
+            </a:r>
+            <a:r>
+              <a:rPr lang="en-US" altLang="zh-CN" smtClean="0"/>
+              <a:t>packet    </a:t>
+            </a:r>
+          </a:p>
+          <a:p>
+            <a:endParaRPr lang="zh-CN" altLang="en-US"/>
+          </a:p>
+        </p:txBody>
+      </p:sp>
+      <p:sp>
+        <p:nvSpPr>
+          <p:cNvPr id="5" name="文本框 4"/>
+          <p:cNvSpPr txBox="1"/>
+          <p:nvPr/>
+        </p:nvSpPr>
+        <p:spPr>
+          <a:xfrm>
+            <a:off x="2932980" y="2743203"/>
+            <a:ext cx="2000932" cy="923330"/>
+          </a:xfrm>
+          <a:prstGeom prst="rect">
+            <a:avLst/>
+          </a:prstGeom>
+        </p:spPr>
+        <p:style>
+          <a:lnRef idx="2">
+            <a:schemeClr val="dk1"/>
+          </a:lnRef>
+          <a:fillRef idx="1">
+            <a:schemeClr val="lt1"/>
+          </a:fillRef>
+          <a:effectRef idx="0">
+            <a:schemeClr val="dk1"/>
+          </a:effectRef>
+          <a:fontRef idx="minor">
+            <a:schemeClr val="dk1"/>
+          </a:fontRef>
+        </p:style>
+        <p:txBody>
+          <a:bodyPr wrap="none" rtlCol="0">
+            <a:spAutoFit/>
+          </a:bodyPr>
+          <a:lstStyle/>
+          <a:p>
+            <a:endParaRPr lang="en-US" altLang="zh-CN" smtClean="0"/>
+          </a:p>
+          <a:p>
+            <a:r>
+              <a:rPr lang="zh-CN" altLang="en-US" smtClean="0"/>
+              <a:t> 解码成</a:t>
+            </a:r>
+            <a:r>
+              <a:rPr lang="zh-CN" altLang="en-US"/>
+              <a:t>音频</a:t>
+            </a:r>
+            <a:r>
+              <a:rPr lang="zh-CN" altLang="en-US" smtClean="0"/>
+              <a:t> </a:t>
+            </a:r>
+            <a:r>
+              <a:rPr lang="en-US" altLang="zh-CN" smtClean="0"/>
+              <a:t>frame</a:t>
+            </a:r>
+          </a:p>
+          <a:p>
+            <a:endParaRPr lang="zh-CN" altLang="en-US"/>
+          </a:p>
+        </p:txBody>
+      </p:sp>
+      <p:sp>
+        <p:nvSpPr>
+          <p:cNvPr id="6" name="文本框 5"/>
+          <p:cNvSpPr txBox="1"/>
+          <p:nvPr/>
+        </p:nvSpPr>
+        <p:spPr>
+          <a:xfrm>
+            <a:off x="2887313" y="4270078"/>
+            <a:ext cx="2106731" cy="923330"/>
+          </a:xfrm>
+          <a:prstGeom prst="rect">
+            <a:avLst/>
+          </a:prstGeom>
+        </p:spPr>
+        <p:style>
+          <a:lnRef idx="2">
+            <a:schemeClr val="dk1"/>
+          </a:lnRef>
+          <a:fillRef idx="1">
+            <a:schemeClr val="lt1"/>
+          </a:fillRef>
+          <a:effectRef idx="0">
+            <a:schemeClr val="dk1"/>
+          </a:effectRef>
+          <a:fontRef idx="minor">
+            <a:schemeClr val="dk1"/>
+          </a:fontRef>
+        </p:style>
+        <p:txBody>
+          <a:bodyPr wrap="none" rtlCol="0">
+            <a:spAutoFit/>
+          </a:bodyPr>
+          <a:lstStyle/>
+          <a:p>
+            <a:endParaRPr lang="en-US" altLang="zh-CN" smtClean="0"/>
+          </a:p>
+          <a:p>
+            <a:r>
+              <a:rPr lang="zh-CN" altLang="en-US" smtClean="0"/>
+              <a:t> 音频 </a:t>
+            </a:r>
+            <a:r>
+              <a:rPr lang="en-US" altLang="zh-CN" smtClean="0"/>
+              <a:t>frame </a:t>
+            </a:r>
+            <a:r>
+              <a:rPr lang="zh-CN" altLang="en-US"/>
+              <a:t>入</a:t>
+            </a:r>
+            <a:r>
+              <a:rPr lang="zh-CN" altLang="en-US" smtClean="0"/>
+              <a:t>队列</a:t>
+            </a:r>
+            <a:endParaRPr lang="en-US" altLang="zh-CN" smtClean="0"/>
+          </a:p>
+          <a:p>
+            <a:endParaRPr lang="zh-CN" altLang="en-US"/>
+          </a:p>
+        </p:txBody>
+      </p:sp>
+      <p:cxnSp>
+        <p:nvCxnSpPr>
+          <p:cNvPr id="7" name="直接箭头连接符 6"/>
+          <p:cNvCxnSpPr>
+            <a:stCxn id="4" idx="2"/>
+            <a:endCxn id="5" idx="0"/>
+          </p:cNvCxnSpPr>
+          <p:nvPr/>
+        </p:nvCxnSpPr>
+        <p:spPr>
+          <a:xfrm flipH="1">
+            <a:off x="3933446" y="2044766"/>
+            <a:ext cx="2474" cy="698437"/>
+          </a:xfrm>
+          <a:prstGeom prst="straightConnector1">
+            <a:avLst/>
+          </a:prstGeom>
+          <a:ln>
+            <a:tailEnd type="triangle"/>
+          </a:ln>
+        </p:spPr>
+        <p:style>
+          <a:lnRef idx="1">
+            <a:schemeClr val="accent1"/>
+          </a:lnRef>
+          <a:fillRef idx="0">
+            <a:schemeClr val="accent1"/>
+          </a:fillRef>
+          <a:effectRef idx="0">
+            <a:schemeClr val="accent1"/>
+          </a:effectRef>
+          <a:fontRef idx="minor">
+            <a:schemeClr val="tx1"/>
+          </a:fontRef>
+        </p:style>
+      </p:cxnSp>
+      <p:cxnSp>
+        <p:nvCxnSpPr>
+          <p:cNvPr id="8" name="直接箭头连接符 7"/>
+          <p:cNvCxnSpPr>
+            <a:stCxn id="5" idx="2"/>
+            <a:endCxn id="6" idx="0"/>
+          </p:cNvCxnSpPr>
+          <p:nvPr/>
+        </p:nvCxnSpPr>
+        <p:spPr>
+          <a:xfrm>
+            <a:off x="3933446" y="3666533"/>
+            <a:ext cx="7233" cy="603545"/>
+          </a:xfrm>
+          <a:prstGeom prst="straightConnector1">
+            <a:avLst/>
+          </a:prstGeom>
+          <a:ln>
+            <a:tailEnd type="triangle"/>
+          </a:ln>
+        </p:spPr>
+        <p:style>
+          <a:lnRef idx="1">
+            <a:schemeClr val="accent1"/>
+          </a:lnRef>
+          <a:fillRef idx="0">
+            <a:schemeClr val="accent1"/>
+          </a:fillRef>
+          <a:effectRef idx="0">
+            <a:schemeClr val="accent1"/>
+          </a:effectRef>
+          <a:fontRef idx="minor">
+            <a:schemeClr val="tx1"/>
+          </a:fontRef>
+        </p:style>
+      </p:cxnSp>
+      <p:cxnSp>
+        <p:nvCxnSpPr>
+          <p:cNvPr id="9" name="肘形连接符 8"/>
+          <p:cNvCxnSpPr>
+            <a:endCxn id="4" idx="1"/>
+          </p:cNvCxnSpPr>
+          <p:nvPr/>
+        </p:nvCxnSpPr>
+        <p:spPr>
+          <a:xfrm rot="5400000" flipH="1" flipV="1">
+            <a:off x="629685" y="2411196"/>
+            <a:ext cx="3148642" cy="1492453"/>
+          </a:xfrm>
+          <a:prstGeom prst="bentConnector2">
+            <a:avLst/>
+          </a:prstGeom>
+          <a:ln>
+            <a:tailEnd type="triangle"/>
+          </a:ln>
+        </p:spPr>
+        <p:style>
+          <a:lnRef idx="1">
+            <a:schemeClr val="accent1"/>
+          </a:lnRef>
+          <a:fillRef idx="0">
+            <a:schemeClr val="accent1"/>
+          </a:fillRef>
+          <a:effectRef idx="0">
+            <a:schemeClr val="accent1"/>
+          </a:effectRef>
+          <a:fontRef idx="minor">
+            <a:schemeClr val="tx1"/>
+          </a:fontRef>
+        </p:style>
+      </p:cxnSp>
+      <p:cxnSp>
+        <p:nvCxnSpPr>
+          <p:cNvPr id="10" name="直接连接符 9"/>
+          <p:cNvCxnSpPr>
+            <a:endCxn id="6" idx="1"/>
+          </p:cNvCxnSpPr>
+          <p:nvPr/>
+        </p:nvCxnSpPr>
+        <p:spPr>
+          <a:xfrm>
+            <a:off x="1457779" y="4731743"/>
+            <a:ext cx="1429534" cy="0"/>
+          </a:xfrm>
+          <a:prstGeom prst="line">
+            <a:avLst/>
+          </a:prstGeom>
+        </p:spPr>
+        <p:style>
+          <a:lnRef idx="1">
+            <a:schemeClr val="accent1"/>
+          </a:lnRef>
+          <a:fillRef idx="0">
+            <a:schemeClr val="accent1"/>
+          </a:fillRef>
+          <a:effectRef idx="0">
+            <a:schemeClr val="accent1"/>
+          </a:effectRef>
+          <a:fontRef idx="minor">
+            <a:schemeClr val="tx1"/>
+          </a:fontRef>
+        </p:style>
+      </p:cxnSp>
+      <p:sp>
+        <p:nvSpPr>
+          <p:cNvPr id="11" name="文本框 10"/>
+          <p:cNvSpPr txBox="1"/>
+          <p:nvPr/>
+        </p:nvSpPr>
+        <p:spPr>
+          <a:xfrm>
+            <a:off x="7861491" y="2695757"/>
+            <a:ext cx="1410964" cy="923330"/>
+          </a:xfrm>
+          <a:prstGeom prst="rect">
+            <a:avLst/>
+          </a:prstGeom>
+        </p:spPr>
+        <p:style>
+          <a:lnRef idx="2">
+            <a:schemeClr val="dk1"/>
+          </a:lnRef>
+          <a:fillRef idx="1">
+            <a:schemeClr val="lt1"/>
+          </a:fillRef>
+          <a:effectRef idx="0">
+            <a:schemeClr val="dk1"/>
+          </a:effectRef>
+          <a:fontRef idx="minor">
+            <a:schemeClr val="dk1"/>
+          </a:fontRef>
+        </p:style>
+        <p:txBody>
+          <a:bodyPr wrap="none" rtlCol="0">
+            <a:spAutoFit/>
+          </a:bodyPr>
+          <a:lstStyle/>
+          <a:p>
+            <a:endParaRPr lang="en-US" altLang="zh-CN" smtClean="0"/>
+          </a:p>
+          <a:p>
+            <a:r>
+              <a:rPr lang="zh-CN" altLang="en-US" smtClean="0"/>
+              <a:t>给我</a:t>
+            </a:r>
+            <a:r>
+              <a:rPr lang="en-US" altLang="zh-CN" smtClean="0"/>
+              <a:t>samples</a:t>
+            </a:r>
+          </a:p>
+          <a:p>
+            <a:endParaRPr lang="zh-CN" altLang="en-US"/>
+          </a:p>
+        </p:txBody>
+      </p:sp>
+      <p:sp>
+        <p:nvSpPr>
+          <p:cNvPr id="12" name="文本框 11"/>
+          <p:cNvSpPr txBox="1"/>
+          <p:nvPr/>
+        </p:nvSpPr>
+        <p:spPr>
+          <a:xfrm>
+            <a:off x="7852865" y="1121436"/>
+            <a:ext cx="1425390" cy="923330"/>
+          </a:xfrm>
+          <a:prstGeom prst="rect">
+            <a:avLst/>
+          </a:prstGeom>
+        </p:spPr>
+        <p:style>
+          <a:lnRef idx="2">
+            <a:schemeClr val="dk1"/>
+          </a:lnRef>
+          <a:fillRef idx="1">
+            <a:schemeClr val="lt1"/>
+          </a:fillRef>
+          <a:effectRef idx="0">
+            <a:schemeClr val="dk1"/>
+          </a:effectRef>
+          <a:fontRef idx="minor">
+            <a:schemeClr val="dk1"/>
+          </a:fontRef>
+        </p:style>
+        <p:txBody>
+          <a:bodyPr wrap="none" rtlCol="0">
+            <a:spAutoFit/>
+          </a:bodyPr>
+          <a:lstStyle/>
+          <a:p>
+            <a:endParaRPr lang="en-US" altLang="zh-CN" smtClean="0"/>
+          </a:p>
+          <a:p>
+            <a:r>
+              <a:rPr lang="zh-CN" altLang="en-US" smtClean="0"/>
+              <a:t>   播放音频   </a:t>
+            </a:r>
+            <a:endParaRPr lang="en-US" altLang="zh-CN" smtClean="0"/>
+          </a:p>
+          <a:p>
+            <a:endParaRPr lang="zh-CN" altLang="en-US"/>
+          </a:p>
+        </p:txBody>
+      </p:sp>
+      <p:cxnSp>
+        <p:nvCxnSpPr>
+          <p:cNvPr id="24" name="直接箭头连接符 23"/>
+          <p:cNvCxnSpPr>
+            <a:endCxn id="12" idx="1"/>
+          </p:cNvCxnSpPr>
+          <p:nvPr/>
+        </p:nvCxnSpPr>
+        <p:spPr>
+          <a:xfrm>
+            <a:off x="6740057" y="1583101"/>
+            <a:ext cx="1112808" cy="0"/>
+          </a:xfrm>
+          <a:prstGeom prst="straightConnector1">
+            <a:avLst/>
+          </a:prstGeom>
+          <a:ln>
+            <a:tailEnd type="triangle"/>
+          </a:ln>
+        </p:spPr>
+        <p:style>
+          <a:lnRef idx="1">
+            <a:schemeClr val="accent1"/>
+          </a:lnRef>
+          <a:fillRef idx="0">
+            <a:schemeClr val="accent1"/>
+          </a:fillRef>
+          <a:effectRef idx="0">
+            <a:schemeClr val="accent1"/>
+          </a:effectRef>
+          <a:fontRef idx="minor">
+            <a:schemeClr val="tx1"/>
+          </a:fontRef>
+        </p:style>
+      </p:cxnSp>
+      <p:cxnSp>
+        <p:nvCxnSpPr>
+          <p:cNvPr id="28" name="直接连接符 27"/>
+          <p:cNvCxnSpPr/>
+          <p:nvPr/>
+        </p:nvCxnSpPr>
+        <p:spPr>
+          <a:xfrm>
+            <a:off x="6748683" y="1583101"/>
+            <a:ext cx="0" cy="3502324"/>
+          </a:xfrm>
+          <a:prstGeom prst="line">
+            <a:avLst/>
+          </a:prstGeom>
+        </p:spPr>
+        <p:style>
+          <a:lnRef idx="1">
+            <a:schemeClr val="accent1"/>
+          </a:lnRef>
+          <a:fillRef idx="0">
+            <a:schemeClr val="accent1"/>
+          </a:fillRef>
+          <a:effectRef idx="0">
+            <a:schemeClr val="accent1"/>
+          </a:effectRef>
+          <a:fontRef idx="minor">
+            <a:schemeClr val="tx1"/>
+          </a:fontRef>
+        </p:style>
+      </p:cxnSp>
+      <p:cxnSp>
+        <p:nvCxnSpPr>
+          <p:cNvPr id="30" name="直接连接符 29"/>
+          <p:cNvCxnSpPr/>
+          <p:nvPr/>
+        </p:nvCxnSpPr>
+        <p:spPr>
+          <a:xfrm>
+            <a:off x="6748683" y="5085425"/>
+            <a:ext cx="1112808" cy="0"/>
+          </a:xfrm>
+          <a:prstGeom prst="line">
+            <a:avLst/>
+          </a:prstGeom>
+        </p:spPr>
+        <p:style>
+          <a:lnRef idx="1">
+            <a:schemeClr val="accent1"/>
+          </a:lnRef>
+          <a:fillRef idx="0">
+            <a:schemeClr val="accent1"/>
+          </a:fillRef>
+          <a:effectRef idx="0">
+            <a:schemeClr val="accent1"/>
+          </a:effectRef>
+          <a:fontRef idx="minor">
+            <a:schemeClr val="tx1"/>
+          </a:fontRef>
+        </p:style>
+      </p:cxnSp>
+      <p:cxnSp>
+        <p:nvCxnSpPr>
+          <p:cNvPr id="33" name="直接箭头连接符 32"/>
+          <p:cNvCxnSpPr>
+            <a:stCxn id="12" idx="2"/>
+            <a:endCxn id="11" idx="0"/>
+          </p:cNvCxnSpPr>
+          <p:nvPr/>
+        </p:nvCxnSpPr>
+        <p:spPr>
+          <a:xfrm>
+            <a:off x="8565560" y="2044766"/>
+            <a:ext cx="1413" cy="650991"/>
+          </a:xfrm>
+          <a:prstGeom prst="straightConnector1">
+            <a:avLst/>
+          </a:prstGeom>
+          <a:ln>
+            <a:tailEnd type="triangle"/>
+          </a:ln>
+        </p:spPr>
+        <p:style>
+          <a:lnRef idx="1">
+            <a:schemeClr val="accent1"/>
+          </a:lnRef>
+          <a:fillRef idx="0">
+            <a:schemeClr val="accent1"/>
+          </a:fillRef>
+          <a:effectRef idx="0">
+            <a:schemeClr val="accent1"/>
+          </a:effectRef>
+          <a:fontRef idx="minor">
+            <a:schemeClr val="tx1"/>
+          </a:fontRef>
+        </p:style>
+      </p:cxnSp>
+      <p:sp>
+        <p:nvSpPr>
+          <p:cNvPr id="37" name="文本框 36"/>
+          <p:cNvSpPr txBox="1"/>
+          <p:nvPr/>
+        </p:nvSpPr>
+        <p:spPr>
+          <a:xfrm>
+            <a:off x="7526620" y="4382225"/>
+            <a:ext cx="2053832" cy="923330"/>
+          </a:xfrm>
+          <a:prstGeom prst="rect">
+            <a:avLst/>
+          </a:prstGeom>
+        </p:spPr>
+        <p:style>
+          <a:lnRef idx="2">
+            <a:schemeClr val="dk1"/>
+          </a:lnRef>
+          <a:fillRef idx="1">
+            <a:schemeClr val="lt1"/>
+          </a:fillRef>
+          <a:effectRef idx="0">
+            <a:schemeClr val="dk1"/>
+          </a:effectRef>
+          <a:fontRef idx="minor">
+            <a:schemeClr val="dk1"/>
+          </a:fontRef>
+        </p:style>
+        <p:txBody>
+          <a:bodyPr wrap="none" rtlCol="0">
+            <a:spAutoFit/>
+          </a:bodyPr>
+          <a:lstStyle/>
+          <a:p>
+            <a:endParaRPr lang="en-US" altLang="zh-CN" smtClean="0"/>
+          </a:p>
+          <a:p>
+            <a:r>
+              <a:rPr lang="zh-CN" altLang="en-US" smtClean="0"/>
+              <a:t> 音频 </a:t>
+            </a:r>
+            <a:r>
+              <a:rPr lang="en-US" altLang="zh-CN" smtClean="0"/>
+              <a:t>frame </a:t>
+            </a:r>
+            <a:r>
+              <a:rPr lang="zh-CN" altLang="en-US" smtClean="0"/>
+              <a:t>出</a:t>
+            </a:r>
+            <a:r>
+              <a:rPr lang="zh-CN" altLang="en-US" smtClean="0"/>
+              <a:t>队列</a:t>
+            </a:r>
+            <a:endParaRPr lang="en-US" altLang="zh-CN" smtClean="0"/>
+          </a:p>
+          <a:p>
+            <a:endParaRPr lang="zh-CN" altLang="en-US"/>
+          </a:p>
+        </p:txBody>
+      </p:sp>
+      <p:cxnSp>
+        <p:nvCxnSpPr>
+          <p:cNvPr id="41" name="直接箭头连接符 40"/>
+          <p:cNvCxnSpPr>
+            <a:stCxn id="11" idx="2"/>
+          </p:cNvCxnSpPr>
+          <p:nvPr/>
+        </p:nvCxnSpPr>
+        <p:spPr>
+          <a:xfrm>
+            <a:off x="8566973" y="3619087"/>
+            <a:ext cx="7213" cy="763138"/>
+          </a:xfrm>
+          <a:prstGeom prst="straightConnector1">
+            <a:avLst/>
+          </a:prstGeom>
+          <a:ln>
+            <a:tailEnd type="triangle"/>
+          </a:ln>
+        </p:spPr>
+        <p:style>
+          <a:lnRef idx="1">
+            <a:schemeClr val="accent1"/>
+          </a:lnRef>
+          <a:fillRef idx="0">
+            <a:schemeClr val="accent1"/>
+          </a:fillRef>
+          <a:effectRef idx="0">
+            <a:schemeClr val="accent1"/>
+          </a:effectRef>
+          <a:fontRef idx="minor">
+            <a:schemeClr val="tx1"/>
+          </a:fontRef>
+        </p:style>
+      </p:cxnSp>
+    </p:spTree>
+    <p:extLst>
+      <p:ext uri="{BB962C8B-B14F-4D97-AF65-F5344CB8AC3E}">
+        <p14:creationId xmlns:p14="http://schemas.microsoft.com/office/powerpoint/2010/main" val="1068907033"/>
       </p:ext>
     </p:extLst>
   </p:cSld>
